--- a/Documents/Systems structure.pptx
+++ b/Documents/Systems structure.pptx
@@ -9,6 +9,8 @@
     <p:sldId id="258" r:id="rId3"/>
     <p:sldId id="257" r:id="rId4"/>
     <p:sldId id="259" r:id="rId5"/>
+    <p:sldId id="260" r:id="rId6"/>
+    <p:sldId id="261" r:id="rId7"/>
   </p:sldIdLst>
   <p:sldSz cx="12192000" cy="6858000"/>
   <p:notesSz cx="6858000" cy="9144000"/>
@@ -107,6 +109,11 @@
       </a:defRPr>
     </a:lvl9pPr>
   </p:defaultTextStyle>
+  <p:extLst>
+    <p:ext uri="{EFAFB233-063F-42B5-8137-9DF3F51BA10A}">
+      <p15:sldGuideLst xmlns:p15="http://schemas.microsoft.com/office/powerpoint/2012/main"/>
+    </p:ext>
+  </p:extLst>
 </p:presentation>
 </file>
 
@@ -257,7 +264,7 @@
           <a:p>
             <a:fld id="{EBBC043E-7C2B-41DC-9148-2098C22313C8}" type="datetimeFigureOut">
               <a:rPr lang="en-US" smtClean="0"/>
-              <a:t>1/10/2021</a:t>
+              <a:t>1/12/2021</a:t>
             </a:fld>
             <a:endParaRPr lang="en-US"/>
           </a:p>
@@ -455,7 +462,7 @@
           <a:p>
             <a:fld id="{EBBC043E-7C2B-41DC-9148-2098C22313C8}" type="datetimeFigureOut">
               <a:rPr lang="en-US" smtClean="0"/>
-              <a:t>1/10/2021</a:t>
+              <a:t>1/12/2021</a:t>
             </a:fld>
             <a:endParaRPr lang="en-US"/>
           </a:p>
@@ -663,7 +670,7 @@
           <a:p>
             <a:fld id="{EBBC043E-7C2B-41DC-9148-2098C22313C8}" type="datetimeFigureOut">
               <a:rPr lang="en-US" smtClean="0"/>
-              <a:t>1/10/2021</a:t>
+              <a:t>1/12/2021</a:t>
             </a:fld>
             <a:endParaRPr lang="en-US"/>
           </a:p>
@@ -861,7 +868,7 @@
           <a:p>
             <a:fld id="{EBBC043E-7C2B-41DC-9148-2098C22313C8}" type="datetimeFigureOut">
               <a:rPr lang="en-US" smtClean="0"/>
-              <a:t>1/10/2021</a:t>
+              <a:t>1/12/2021</a:t>
             </a:fld>
             <a:endParaRPr lang="en-US"/>
           </a:p>
@@ -1136,7 +1143,7 @@
           <a:p>
             <a:fld id="{EBBC043E-7C2B-41DC-9148-2098C22313C8}" type="datetimeFigureOut">
               <a:rPr lang="en-US" smtClean="0"/>
-              <a:t>1/10/2021</a:t>
+              <a:t>1/12/2021</a:t>
             </a:fld>
             <a:endParaRPr lang="en-US"/>
           </a:p>
@@ -1401,7 +1408,7 @@
           <a:p>
             <a:fld id="{EBBC043E-7C2B-41DC-9148-2098C22313C8}" type="datetimeFigureOut">
               <a:rPr lang="en-US" smtClean="0"/>
-              <a:t>1/10/2021</a:t>
+              <a:t>1/12/2021</a:t>
             </a:fld>
             <a:endParaRPr lang="en-US"/>
           </a:p>
@@ -1813,7 +1820,7 @@
           <a:p>
             <a:fld id="{EBBC043E-7C2B-41DC-9148-2098C22313C8}" type="datetimeFigureOut">
               <a:rPr lang="en-US" smtClean="0"/>
-              <a:t>1/10/2021</a:t>
+              <a:t>1/12/2021</a:t>
             </a:fld>
             <a:endParaRPr lang="en-US"/>
           </a:p>
@@ -1954,7 +1961,7 @@
           <a:p>
             <a:fld id="{EBBC043E-7C2B-41DC-9148-2098C22313C8}" type="datetimeFigureOut">
               <a:rPr lang="en-US" smtClean="0"/>
-              <a:t>1/10/2021</a:t>
+              <a:t>1/12/2021</a:t>
             </a:fld>
             <a:endParaRPr lang="en-US"/>
           </a:p>
@@ -2067,7 +2074,7 @@
           <a:p>
             <a:fld id="{EBBC043E-7C2B-41DC-9148-2098C22313C8}" type="datetimeFigureOut">
               <a:rPr lang="en-US" smtClean="0"/>
-              <a:t>1/10/2021</a:t>
+              <a:t>1/12/2021</a:t>
             </a:fld>
             <a:endParaRPr lang="en-US"/>
           </a:p>
@@ -2378,7 +2385,7 @@
           <a:p>
             <a:fld id="{EBBC043E-7C2B-41DC-9148-2098C22313C8}" type="datetimeFigureOut">
               <a:rPr lang="en-US" smtClean="0"/>
-              <a:t>1/10/2021</a:t>
+              <a:t>1/12/2021</a:t>
             </a:fld>
             <a:endParaRPr lang="en-US"/>
           </a:p>
@@ -2666,7 +2673,7 @@
           <a:p>
             <a:fld id="{EBBC043E-7C2B-41DC-9148-2098C22313C8}" type="datetimeFigureOut">
               <a:rPr lang="en-US" smtClean="0"/>
-              <a:t>1/10/2021</a:t>
+              <a:t>1/12/2021</a:t>
             </a:fld>
             <a:endParaRPr lang="en-US"/>
           </a:p>
@@ -2907,7 +2914,7 @@
           <a:p>
             <a:fld id="{EBBC043E-7C2B-41DC-9148-2098C22313C8}" type="datetimeFigureOut">
               <a:rPr lang="en-US" smtClean="0"/>
-              <a:t>1/10/2021</a:t>
+              <a:t>1/12/2021</a:t>
             </a:fld>
             <a:endParaRPr lang="en-US"/>
           </a:p>
@@ -3338,7 +3345,7 @@
         </p:nvSpPr>
         <p:spPr>
           <a:xfrm>
-            <a:off x="2169692" y="1050758"/>
+            <a:off x="938051" y="1246701"/>
             <a:ext cx="2115553" cy="1660357"/>
           </a:xfrm>
           <a:prstGeom prst="rect">
@@ -3364,17 +3371,25 @@
           </a:fontRef>
         </p:style>
         <p:txBody>
-          <a:bodyPr rtlCol="0" anchor="t"/>
+          <a:bodyPr rtlCol="0" anchor="ctr" anchorCtr="0"/>
           <a:lstStyle/>
           <a:p>
             <a:pPr algn="ctr"/>
+            <a:r>
+              <a:rPr lang="en-US" dirty="0" err="1">
+                <a:solidFill>
+                  <a:schemeClr val="tx1"/>
+                </a:solidFill>
+              </a:rPr>
+              <a:t>Verhicle</a:t>
+            </a:r>
             <a:r>
               <a:rPr lang="en-US" dirty="0">
                 <a:solidFill>
                   <a:schemeClr val="tx1"/>
                 </a:solidFill>
               </a:rPr>
-              <a:t>Camera Device</a:t>
+              <a:t> Device</a:t>
             </a:r>
           </a:p>
         </p:txBody>
@@ -3393,7 +3408,7 @@
         </p:nvSpPr>
         <p:spPr>
           <a:xfrm>
-            <a:off x="3812003" y="3316707"/>
+            <a:off x="2580362" y="3512650"/>
             <a:ext cx="2436397" cy="1660357"/>
           </a:xfrm>
           <a:prstGeom prst="rect">
@@ -3419,7 +3434,7 @@
           </a:fontRef>
         </p:style>
         <p:txBody>
-          <a:bodyPr rtlCol="0" anchor="t"/>
+          <a:bodyPr rtlCol="0" anchor="ctr" anchorCtr="0"/>
           <a:lstStyle/>
           <a:p>
             <a:pPr algn="ctr"/>
@@ -3456,7 +3471,7 @@
         </p:nvSpPr>
         <p:spPr>
           <a:xfrm>
-            <a:off x="5735053" y="1050758"/>
+            <a:off x="4503412" y="1246701"/>
             <a:ext cx="2005261" cy="1652336"/>
           </a:xfrm>
           <a:prstGeom prst="rect">
@@ -3482,7 +3497,7 @@
           </a:fontRef>
         </p:style>
         <p:txBody>
-          <a:bodyPr rtlCol="0" anchor="t"/>
+          <a:bodyPr rtlCol="0" anchor="ctr" anchorCtr="0"/>
           <a:lstStyle/>
           <a:p>
             <a:pPr algn="ctr"/>
@@ -3494,6 +3509,1163 @@
               </a:rPr>
               <a:t>Server</a:t>
             </a:r>
+          </a:p>
+        </p:txBody>
+      </p:sp>
+      <p:cxnSp>
+        <p:nvCxnSpPr>
+          <p:cNvPr id="3" name="Straight Connector 2">
+            <a:extLst>
+              <a:ext uri="{FF2B5EF4-FFF2-40B4-BE49-F238E27FC236}">
+                <a16:creationId xmlns:a16="http://schemas.microsoft.com/office/drawing/2014/main" id="{7FE307C8-A729-4997-B439-2035EDD1A6FF}"/>
+              </a:ext>
+            </a:extLst>
+          </p:cNvPr>
+          <p:cNvCxnSpPr>
+            <a:stCxn id="35" idx="3"/>
+            <a:endCxn id="37" idx="1"/>
+          </p:cNvCxnSpPr>
+          <p:nvPr/>
+        </p:nvCxnSpPr>
+        <p:spPr>
+          <a:xfrm flipV="1">
+            <a:off x="3053604" y="2072869"/>
+            <a:ext cx="1449808" cy="4011"/>
+          </a:xfrm>
+          <a:prstGeom prst="line">
+            <a:avLst/>
+          </a:prstGeom>
+        </p:spPr>
+        <p:style>
+          <a:lnRef idx="1">
+            <a:schemeClr val="accent1"/>
+          </a:lnRef>
+          <a:fillRef idx="0">
+            <a:schemeClr val="accent1"/>
+          </a:fillRef>
+          <a:effectRef idx="0">
+            <a:schemeClr val="accent1"/>
+          </a:effectRef>
+          <a:fontRef idx="minor">
+            <a:schemeClr val="tx1"/>
+          </a:fontRef>
+        </p:style>
+      </p:cxnSp>
+      <p:cxnSp>
+        <p:nvCxnSpPr>
+          <p:cNvPr id="11" name="Connector: Elbow 10">
+            <a:extLst>
+              <a:ext uri="{FF2B5EF4-FFF2-40B4-BE49-F238E27FC236}">
+                <a16:creationId xmlns:a16="http://schemas.microsoft.com/office/drawing/2014/main" id="{FAC4E269-AC5D-4B45-9B89-EA53147E2F1E}"/>
+              </a:ext>
+            </a:extLst>
+          </p:cNvPr>
+          <p:cNvCxnSpPr>
+            <a:stCxn id="35" idx="2"/>
+            <a:endCxn id="36" idx="1"/>
+          </p:cNvCxnSpPr>
+          <p:nvPr/>
+        </p:nvCxnSpPr>
+        <p:spPr>
+          <a:xfrm rot="16200000" flipH="1">
+            <a:off x="1570210" y="3332676"/>
+            <a:ext cx="1435771" cy="584534"/>
+          </a:xfrm>
+          <a:prstGeom prst="bentConnector2">
+            <a:avLst/>
+          </a:prstGeom>
+        </p:spPr>
+        <p:style>
+          <a:lnRef idx="1">
+            <a:schemeClr val="accent1"/>
+          </a:lnRef>
+          <a:fillRef idx="0">
+            <a:schemeClr val="accent1"/>
+          </a:fillRef>
+          <a:effectRef idx="0">
+            <a:schemeClr val="accent1"/>
+          </a:effectRef>
+          <a:fontRef idx="minor">
+            <a:schemeClr val="tx1"/>
+          </a:fontRef>
+        </p:style>
+      </p:cxnSp>
+      <p:cxnSp>
+        <p:nvCxnSpPr>
+          <p:cNvPr id="13" name="Connector: Elbow 12">
+            <a:extLst>
+              <a:ext uri="{FF2B5EF4-FFF2-40B4-BE49-F238E27FC236}">
+                <a16:creationId xmlns:a16="http://schemas.microsoft.com/office/drawing/2014/main" id="{4362FF16-9C46-40DB-9754-39A71D98F45F}"/>
+              </a:ext>
+            </a:extLst>
+          </p:cNvPr>
+          <p:cNvCxnSpPr>
+            <a:stCxn id="37" idx="2"/>
+            <a:endCxn id="36" idx="3"/>
+          </p:cNvCxnSpPr>
+          <p:nvPr/>
+        </p:nvCxnSpPr>
+        <p:spPr>
+          <a:xfrm rot="5400000">
+            <a:off x="4539505" y="3376291"/>
+            <a:ext cx="1443792" cy="489284"/>
+          </a:xfrm>
+          <a:prstGeom prst="bentConnector2">
+            <a:avLst/>
+          </a:prstGeom>
+        </p:spPr>
+        <p:style>
+          <a:lnRef idx="1">
+            <a:schemeClr val="accent1"/>
+          </a:lnRef>
+          <a:fillRef idx="0">
+            <a:schemeClr val="accent1"/>
+          </a:fillRef>
+          <a:effectRef idx="0">
+            <a:schemeClr val="accent1"/>
+          </a:effectRef>
+          <a:fontRef idx="minor">
+            <a:schemeClr val="tx1"/>
+          </a:fontRef>
+        </p:style>
+      </p:cxnSp>
+      <p:sp>
+        <p:nvSpPr>
+          <p:cNvPr id="17" name="Title 1">
+            <a:extLst>
+              <a:ext uri="{FF2B5EF4-FFF2-40B4-BE49-F238E27FC236}">
+                <a16:creationId xmlns:a16="http://schemas.microsoft.com/office/drawing/2014/main" id="{B98EBF3D-E51E-4FA4-9C21-67858A8E9D76}"/>
+              </a:ext>
+            </a:extLst>
+          </p:cNvPr>
+          <p:cNvSpPr txBox="1">
+            <a:spLocks/>
+          </p:cNvSpPr>
+          <p:nvPr/>
+        </p:nvSpPr>
+        <p:spPr>
+          <a:xfrm>
+            <a:off x="716902" y="108383"/>
+            <a:ext cx="7383379" cy="700439"/>
+          </a:xfrm>
+          <a:prstGeom prst="rect">
+            <a:avLst/>
+          </a:prstGeom>
+        </p:spPr>
+        <p:txBody>
+          <a:bodyPr vert="horz" lIns="91440" tIns="45720" rIns="91440" bIns="45720" rtlCol="0" anchor="b">
+            <a:normAutofit/>
+          </a:bodyPr>
+          <a:lstStyle>
+            <a:lvl1pPr algn="ctr" defTabSz="914400" rtl="0" eaLnBrk="1" latinLnBrk="0" hangingPunct="1">
+              <a:lnSpc>
+                <a:spcPct val="90000"/>
+              </a:lnSpc>
+              <a:spcBef>
+                <a:spcPct val="0"/>
+              </a:spcBef>
+              <a:buNone/>
+              <a:defRPr sz="6000" kern="1200">
+                <a:solidFill>
+                  <a:schemeClr val="tx1"/>
+                </a:solidFill>
+                <a:latin typeface="+mj-lt"/>
+                <a:ea typeface="+mj-ea"/>
+                <a:cs typeface="+mj-cs"/>
+              </a:defRPr>
+            </a:lvl1pPr>
+          </a:lstStyle>
+          <a:p>
+            <a:pPr algn="l"/>
+            <a:r>
+              <a:rPr lang="en-US" sz="4000" dirty="0" err="1"/>
+              <a:t>Sytems</a:t>
+            </a:r>
+            <a:r>
+              <a:rPr lang="en-US" sz="4000" dirty="0"/>
+              <a:t> structure</a:t>
+            </a:r>
+          </a:p>
+        </p:txBody>
+      </p:sp>
+      <p:sp>
+        <p:nvSpPr>
+          <p:cNvPr id="14" name="TextBox 13">
+            <a:extLst>
+              <a:ext uri="{FF2B5EF4-FFF2-40B4-BE49-F238E27FC236}">
+                <a16:creationId xmlns:a16="http://schemas.microsoft.com/office/drawing/2014/main" id="{BAEC3DDC-16AC-4397-8E3F-CC2CE9957098}"/>
+              </a:ext>
+            </a:extLst>
+          </p:cNvPr>
+          <p:cNvSpPr txBox="1"/>
+          <p:nvPr/>
+        </p:nvSpPr>
+        <p:spPr>
+          <a:xfrm>
+            <a:off x="6685959" y="458602"/>
+            <a:ext cx="5162182" cy="1846659"/>
+          </a:xfrm>
+          <a:prstGeom prst="rect">
+            <a:avLst/>
+          </a:prstGeom>
+          <a:noFill/>
+        </p:spPr>
+        <p:txBody>
+          <a:bodyPr wrap="none" rtlCol="0">
+            <a:spAutoFit/>
+          </a:bodyPr>
+          <a:lstStyle/>
+          <a:p>
+            <a:r>
+              <a:rPr lang="en-US" dirty="0" err="1"/>
+              <a:t>Verhicle</a:t>
+            </a:r>
+            <a:r>
+              <a:rPr lang="en-US" dirty="0"/>
+              <a:t> Device:</a:t>
+            </a:r>
+          </a:p>
+          <a:p>
+            <a:r>
+              <a:rPr lang="en-US" sz="1600" dirty="0" err="1"/>
+              <a:t>Bộ</a:t>
+            </a:r>
+            <a:r>
+              <a:rPr lang="en-US" sz="1600" dirty="0"/>
+              <a:t> </a:t>
+            </a:r>
+            <a:r>
+              <a:rPr lang="en-US" sz="1600" dirty="0" err="1"/>
+              <a:t>phận</a:t>
+            </a:r>
+            <a:r>
+              <a:rPr lang="en-US" sz="1600" dirty="0"/>
+              <a:t> </a:t>
+            </a:r>
+            <a:r>
+              <a:rPr lang="en-US" sz="1600" dirty="0" err="1"/>
+              <a:t>xử</a:t>
+            </a:r>
+            <a:r>
+              <a:rPr lang="en-US" sz="1600" dirty="0"/>
+              <a:t> </a:t>
+            </a:r>
+            <a:r>
+              <a:rPr lang="en-US" sz="1600" dirty="0" err="1"/>
+              <a:t>lý</a:t>
+            </a:r>
+            <a:r>
+              <a:rPr lang="en-US" sz="1600" dirty="0"/>
+              <a:t> tracking  </a:t>
+            </a:r>
+            <a:r>
+              <a:rPr lang="en-US" sz="1600" dirty="0" err="1"/>
+              <a:t>trên</a:t>
+            </a:r>
+            <a:r>
+              <a:rPr lang="en-US" sz="1600" dirty="0"/>
+              <a:t> </a:t>
+            </a:r>
+            <a:r>
+              <a:rPr lang="en-US" sz="1600" dirty="0" err="1"/>
+              <a:t>xe</a:t>
+            </a:r>
+            <a:r>
+              <a:rPr lang="en-US" sz="1600" dirty="0"/>
+              <a:t>, </a:t>
+            </a:r>
+            <a:r>
+              <a:rPr lang="en-US" sz="1600" dirty="0" err="1"/>
+              <a:t>làm</a:t>
+            </a:r>
+            <a:r>
+              <a:rPr lang="en-US" sz="1600" dirty="0"/>
+              <a:t> </a:t>
+            </a:r>
+            <a:r>
+              <a:rPr lang="en-US" sz="1600" dirty="0" err="1"/>
+              <a:t>các</a:t>
+            </a:r>
+            <a:r>
+              <a:rPr lang="en-US" sz="1600" dirty="0"/>
+              <a:t> </a:t>
+            </a:r>
+            <a:r>
+              <a:rPr lang="en-US" sz="1600" dirty="0" err="1"/>
+              <a:t>chức</a:t>
+            </a:r>
+            <a:r>
+              <a:rPr lang="en-US" sz="1600" dirty="0"/>
+              <a:t> </a:t>
+            </a:r>
+            <a:r>
+              <a:rPr lang="en-US" sz="1600" dirty="0" err="1"/>
+              <a:t>năng</a:t>
+            </a:r>
+            <a:r>
+              <a:rPr lang="en-US" sz="1600" dirty="0"/>
+              <a:t> bao </a:t>
+            </a:r>
+            <a:r>
+              <a:rPr lang="en-US" sz="1600" dirty="0" err="1"/>
+              <a:t>gồm</a:t>
+            </a:r>
+            <a:r>
+              <a:rPr lang="en-US" dirty="0"/>
+              <a:t>:</a:t>
+            </a:r>
+          </a:p>
+          <a:p>
+            <a:pPr marL="342900" indent="-342900">
+              <a:buAutoNum type="arabicPeriod"/>
+            </a:pPr>
+            <a:r>
+              <a:rPr lang="en-US" sz="1300" dirty="0" err="1"/>
+              <a:t>Kết</a:t>
+            </a:r>
+            <a:r>
+              <a:rPr lang="en-US" sz="1300" dirty="0"/>
+              <a:t> </a:t>
+            </a:r>
+            <a:r>
+              <a:rPr lang="en-US" sz="1300" dirty="0" err="1"/>
+              <a:t>nối</a:t>
+            </a:r>
+            <a:r>
+              <a:rPr lang="en-US" sz="1300" dirty="0"/>
+              <a:t>, </a:t>
+            </a:r>
+            <a:r>
+              <a:rPr lang="en-US" sz="1300" dirty="0" err="1"/>
+              <a:t>điều</a:t>
+            </a:r>
+            <a:r>
+              <a:rPr lang="en-US" sz="1300" dirty="0"/>
+              <a:t> </a:t>
+            </a:r>
+            <a:r>
+              <a:rPr lang="en-US" sz="1300" dirty="0" err="1"/>
+              <a:t>khiển</a:t>
+            </a:r>
+            <a:r>
+              <a:rPr lang="en-US" sz="1300" dirty="0"/>
+              <a:t> </a:t>
+            </a:r>
+            <a:r>
+              <a:rPr lang="en-US" sz="1300" dirty="0" err="1"/>
+              <a:t>các</a:t>
+            </a:r>
+            <a:r>
+              <a:rPr lang="en-US" sz="1300" dirty="0"/>
+              <a:t> </a:t>
+            </a:r>
+            <a:r>
+              <a:rPr lang="en-US" sz="1300" dirty="0" err="1"/>
+              <a:t>thiết</a:t>
+            </a:r>
+            <a:r>
+              <a:rPr lang="en-US" sz="1300" dirty="0"/>
+              <a:t> </a:t>
+            </a:r>
+            <a:r>
+              <a:rPr lang="en-US" sz="1300" dirty="0" err="1"/>
+              <a:t>bị</a:t>
+            </a:r>
+            <a:r>
+              <a:rPr lang="en-US" sz="1300" dirty="0"/>
+              <a:t> camera</a:t>
+            </a:r>
+          </a:p>
+          <a:p>
+            <a:pPr marL="342900" indent="-342900">
+              <a:buAutoNum type="arabicPeriod"/>
+            </a:pPr>
+            <a:r>
+              <a:rPr lang="en-US" sz="1300" dirty="0"/>
+              <a:t>Stream camera </a:t>
+            </a:r>
+            <a:r>
+              <a:rPr lang="en-US" sz="1300" dirty="0" err="1"/>
+              <a:t>rtsp</a:t>
+            </a:r>
+            <a:r>
+              <a:rPr lang="en-US" sz="1300" dirty="0"/>
+              <a:t> </a:t>
+            </a:r>
+            <a:r>
+              <a:rPr lang="en-US" sz="1300" dirty="0" err="1"/>
+              <a:t>đến</a:t>
+            </a:r>
+            <a:r>
+              <a:rPr lang="en-US" sz="1300" dirty="0"/>
+              <a:t> Server/Phone device  </a:t>
+            </a:r>
+            <a:r>
+              <a:rPr lang="en-US" sz="1300" dirty="0" err="1"/>
+              <a:t>khi</a:t>
+            </a:r>
+            <a:r>
+              <a:rPr lang="en-US" sz="1300" dirty="0"/>
+              <a:t> </a:t>
+            </a:r>
+            <a:r>
+              <a:rPr lang="en-US" sz="1300" dirty="0" err="1"/>
+              <a:t>có</a:t>
+            </a:r>
+            <a:r>
+              <a:rPr lang="en-US" sz="1300" dirty="0"/>
+              <a:t> </a:t>
+            </a:r>
+            <a:r>
+              <a:rPr lang="en-US" sz="1300" dirty="0" err="1"/>
+              <a:t>yêu</a:t>
+            </a:r>
+            <a:r>
+              <a:rPr lang="en-US" sz="1300" dirty="0"/>
+              <a:t> </a:t>
+            </a:r>
+            <a:r>
+              <a:rPr lang="en-US" sz="1300" dirty="0" err="1"/>
+              <a:t>cầu</a:t>
+            </a:r>
+            <a:endParaRPr lang="en-US" sz="1300" dirty="0"/>
+          </a:p>
+          <a:p>
+            <a:pPr marL="342900" indent="-342900">
+              <a:buAutoNum type="arabicPeriod"/>
+            </a:pPr>
+            <a:r>
+              <a:rPr lang="en-US" sz="1300" dirty="0" err="1"/>
+              <a:t>Gửi</a:t>
+            </a:r>
+            <a:r>
+              <a:rPr lang="en-US" sz="1300" dirty="0"/>
+              <a:t> video file </a:t>
+            </a:r>
+            <a:r>
+              <a:rPr lang="en-US" sz="1300" dirty="0" err="1"/>
+              <a:t>khi</a:t>
+            </a:r>
+            <a:r>
+              <a:rPr lang="en-US" sz="1300" dirty="0"/>
+              <a:t> </a:t>
+            </a:r>
+            <a:r>
+              <a:rPr lang="en-US" sz="1300" dirty="0" err="1"/>
+              <a:t>có</a:t>
+            </a:r>
+            <a:r>
+              <a:rPr lang="en-US" sz="1300" dirty="0"/>
+              <a:t> </a:t>
+            </a:r>
+            <a:r>
+              <a:rPr lang="en-US" sz="1300" dirty="0" err="1"/>
+              <a:t>kết</a:t>
+            </a:r>
+            <a:r>
+              <a:rPr lang="en-US" sz="1300" dirty="0"/>
+              <a:t> </a:t>
+            </a:r>
+            <a:r>
+              <a:rPr lang="en-US" sz="1300" dirty="0" err="1"/>
+              <a:t>nối</a:t>
+            </a:r>
+            <a:r>
+              <a:rPr lang="en-US" sz="1300" dirty="0"/>
+              <a:t> </a:t>
+            </a:r>
+            <a:r>
+              <a:rPr lang="en-US" sz="1300" dirty="0" err="1"/>
+              <a:t>wifi</a:t>
+            </a:r>
+            <a:r>
+              <a:rPr lang="en-US" sz="1300" dirty="0"/>
+              <a:t> </a:t>
+            </a:r>
+            <a:r>
+              <a:rPr lang="en-US" sz="1300" dirty="0" err="1"/>
+              <a:t>đến</a:t>
+            </a:r>
+            <a:r>
+              <a:rPr lang="en-US" sz="1300" dirty="0"/>
+              <a:t> server </a:t>
+            </a:r>
+            <a:r>
+              <a:rPr lang="en-US" sz="1300" dirty="0" err="1"/>
+              <a:t>để</a:t>
+            </a:r>
+            <a:r>
+              <a:rPr lang="en-US" sz="1300" dirty="0"/>
+              <a:t> </a:t>
+            </a:r>
+            <a:r>
+              <a:rPr lang="en-US" sz="1300" dirty="0" err="1"/>
+              <a:t>lưu</a:t>
+            </a:r>
+            <a:r>
+              <a:rPr lang="en-US" sz="1300" dirty="0"/>
+              <a:t> </a:t>
+            </a:r>
+            <a:r>
+              <a:rPr lang="en-US" sz="1300" dirty="0" err="1"/>
+              <a:t>trữ</a:t>
+            </a:r>
+            <a:endParaRPr lang="en-US" sz="1300" dirty="0"/>
+          </a:p>
+          <a:p>
+            <a:pPr marL="342900" indent="-342900">
+              <a:buAutoNum type="arabicPeriod"/>
+            </a:pPr>
+            <a:r>
+              <a:rPr lang="en-US" sz="1300" dirty="0" err="1"/>
+              <a:t>Thực</a:t>
+            </a:r>
+            <a:r>
+              <a:rPr lang="en-US" sz="1300" dirty="0"/>
+              <a:t> </a:t>
+            </a:r>
+            <a:r>
+              <a:rPr lang="en-US" sz="1300" dirty="0" err="1"/>
+              <a:t>hiện</a:t>
+            </a:r>
+            <a:r>
+              <a:rPr lang="en-US" sz="1300" dirty="0"/>
+              <a:t> </a:t>
+            </a:r>
+            <a:r>
+              <a:rPr lang="en-US" sz="1300" dirty="0" err="1"/>
+              <a:t>các</a:t>
+            </a:r>
+            <a:r>
+              <a:rPr lang="en-US" sz="1300" dirty="0"/>
+              <a:t> </a:t>
+            </a:r>
+            <a:r>
+              <a:rPr lang="en-US" sz="1300" dirty="0" err="1"/>
+              <a:t>chức</a:t>
+            </a:r>
+            <a:r>
+              <a:rPr lang="en-US" sz="1300" dirty="0"/>
+              <a:t> </a:t>
+            </a:r>
+            <a:r>
+              <a:rPr lang="en-US" sz="1300" dirty="0" err="1"/>
+              <a:t>năng</a:t>
+            </a:r>
+            <a:r>
+              <a:rPr lang="en-US" sz="1300" dirty="0"/>
+              <a:t> </a:t>
+            </a:r>
+            <a:r>
+              <a:rPr lang="en-US" sz="1300" dirty="0" err="1"/>
+              <a:t>nâng</a:t>
+            </a:r>
+            <a:r>
+              <a:rPr lang="en-US" sz="1300" dirty="0"/>
+              <a:t> </a:t>
+            </a:r>
+            <a:r>
+              <a:rPr lang="en-US" sz="1300" dirty="0" err="1"/>
+              <a:t>cao</a:t>
+            </a:r>
+            <a:r>
+              <a:rPr lang="en-US" sz="1300" dirty="0"/>
+              <a:t>: </a:t>
+            </a:r>
+            <a:r>
+              <a:rPr lang="en-US" sz="1300" dirty="0" err="1"/>
+              <a:t>Phát</a:t>
+            </a:r>
+            <a:r>
+              <a:rPr lang="en-US" sz="1300" dirty="0"/>
+              <a:t> </a:t>
+            </a:r>
+            <a:r>
+              <a:rPr lang="en-US" sz="1300" dirty="0" err="1"/>
+              <a:t>hiện</a:t>
+            </a:r>
+            <a:r>
+              <a:rPr lang="en-US" sz="1300" dirty="0"/>
+              <a:t> </a:t>
+            </a:r>
+            <a:r>
+              <a:rPr lang="en-US" sz="1300" dirty="0" err="1"/>
+              <a:t>đối</a:t>
+            </a:r>
+            <a:r>
+              <a:rPr lang="en-US" sz="1300" dirty="0"/>
+              <a:t> </a:t>
+            </a:r>
+            <a:r>
+              <a:rPr lang="en-US" sz="1300" dirty="0" err="1"/>
+              <a:t>tượng</a:t>
+            </a:r>
+            <a:r>
+              <a:rPr lang="en-US" sz="1300" dirty="0"/>
+              <a:t>, </a:t>
+            </a:r>
+            <a:r>
+              <a:rPr lang="en-US" sz="1300" dirty="0" err="1"/>
+              <a:t>cử</a:t>
+            </a:r>
+            <a:r>
+              <a:rPr lang="en-US" sz="1300" dirty="0"/>
+              <a:t> </a:t>
+            </a:r>
+            <a:r>
+              <a:rPr lang="en-US" sz="1300" dirty="0" err="1"/>
+              <a:t>chỉ</a:t>
+            </a:r>
+            <a:r>
+              <a:rPr lang="en-US" sz="1300" dirty="0"/>
+              <a:t>, </a:t>
+            </a:r>
+          </a:p>
+          <a:p>
+            <a:r>
+              <a:rPr lang="en-US" sz="1300" dirty="0" err="1"/>
+              <a:t>trạng</a:t>
+            </a:r>
+            <a:r>
+              <a:rPr lang="en-US" sz="1300" dirty="0"/>
+              <a:t> </a:t>
+            </a:r>
+            <a:r>
+              <a:rPr lang="en-US" sz="1300" dirty="0" err="1"/>
+              <a:t>thái</a:t>
+            </a:r>
+            <a:r>
+              <a:rPr lang="en-US" sz="1300" dirty="0"/>
+              <a:t> </a:t>
+            </a:r>
+            <a:r>
+              <a:rPr lang="en-US" sz="1300" dirty="0" err="1"/>
+              <a:t>lái</a:t>
+            </a:r>
+            <a:r>
+              <a:rPr lang="en-US" sz="1300" dirty="0"/>
+              <a:t> </a:t>
+            </a:r>
+            <a:r>
+              <a:rPr lang="en-US" sz="1300" dirty="0" err="1"/>
+              <a:t>xe</a:t>
+            </a:r>
+            <a:r>
+              <a:rPr lang="en-US" sz="1300" dirty="0"/>
+              <a:t>…</a:t>
+            </a:r>
+          </a:p>
+          <a:p>
+            <a:pPr marL="342900" indent="-342900">
+              <a:buAutoNum type="arabicPeriod"/>
+            </a:pPr>
+            <a:endParaRPr lang="en-US" sz="1300" dirty="0"/>
+          </a:p>
+        </p:txBody>
+      </p:sp>
+      <p:sp>
+        <p:nvSpPr>
+          <p:cNvPr id="19" name="TextBox 18">
+            <a:extLst>
+              <a:ext uri="{FF2B5EF4-FFF2-40B4-BE49-F238E27FC236}">
+                <a16:creationId xmlns:a16="http://schemas.microsoft.com/office/drawing/2014/main" id="{08DD1181-A9AA-446C-AFC9-0B1ECC1C1D10}"/>
+              </a:ext>
+            </a:extLst>
+          </p:cNvPr>
+          <p:cNvSpPr txBox="1"/>
+          <p:nvPr/>
+        </p:nvSpPr>
+        <p:spPr>
+          <a:xfrm>
+            <a:off x="6685959" y="2321139"/>
+            <a:ext cx="4730334" cy="1169551"/>
+          </a:xfrm>
+          <a:prstGeom prst="rect">
+            <a:avLst/>
+          </a:prstGeom>
+          <a:noFill/>
+        </p:spPr>
+        <p:txBody>
+          <a:bodyPr wrap="none" rtlCol="0">
+            <a:spAutoFit/>
+          </a:bodyPr>
+          <a:lstStyle/>
+          <a:p>
+            <a:r>
+              <a:rPr lang="en-US" dirty="0">
+                <a:solidFill>
+                  <a:schemeClr val="tx1"/>
+                </a:solidFill>
+              </a:rPr>
+              <a:t>Server:</a:t>
+            </a:r>
+            <a:endParaRPr lang="en-US" dirty="0"/>
+          </a:p>
+          <a:p>
+            <a:pPr marL="342900" indent="-342900">
+              <a:buAutoNum type="arabicPeriod"/>
+            </a:pPr>
+            <a:r>
+              <a:rPr lang="en-US" sz="1300" dirty="0" err="1"/>
+              <a:t>Kết</a:t>
+            </a:r>
+            <a:r>
+              <a:rPr lang="en-US" sz="1300" dirty="0"/>
+              <a:t> </a:t>
+            </a:r>
+            <a:r>
+              <a:rPr lang="en-US" sz="1300" dirty="0" err="1"/>
+              <a:t>nối</a:t>
+            </a:r>
+            <a:r>
+              <a:rPr lang="en-US" sz="1300" dirty="0"/>
+              <a:t> </a:t>
+            </a:r>
+            <a:r>
+              <a:rPr lang="en-US" sz="1300" dirty="0" err="1"/>
+              <a:t>verhicle</a:t>
+            </a:r>
+            <a:r>
+              <a:rPr lang="en-US" sz="1300" dirty="0"/>
+              <a:t> device </a:t>
+            </a:r>
+            <a:r>
+              <a:rPr lang="en-US" sz="1300" dirty="0" err="1"/>
+              <a:t>với</a:t>
+            </a:r>
+            <a:r>
+              <a:rPr lang="en-US" sz="1300" dirty="0"/>
+              <a:t> </a:t>
+            </a:r>
+            <a:r>
+              <a:rPr lang="en-US" sz="1300" dirty="0" err="1"/>
+              <a:t>phone,pc</a:t>
+            </a:r>
+            <a:r>
+              <a:rPr lang="en-US" sz="1300" dirty="0"/>
+              <a:t> </a:t>
+            </a:r>
+            <a:r>
+              <a:rPr lang="en-US" sz="1300" dirty="0" err="1"/>
+              <a:t>để</a:t>
+            </a:r>
+            <a:r>
+              <a:rPr lang="en-US" sz="1300" dirty="0"/>
+              <a:t> tracking, stream video</a:t>
+            </a:r>
+          </a:p>
+          <a:p>
+            <a:pPr marL="342900" indent="-342900">
+              <a:buAutoNum type="arabicPeriod"/>
+            </a:pPr>
+            <a:r>
+              <a:rPr lang="en-US" sz="1300" dirty="0" err="1"/>
+              <a:t>Nhận</a:t>
+            </a:r>
+            <a:r>
+              <a:rPr lang="en-US" sz="1300" dirty="0"/>
+              <a:t> </a:t>
+            </a:r>
+            <a:r>
+              <a:rPr lang="en-US" sz="1300" dirty="0" err="1"/>
+              <a:t>và</a:t>
+            </a:r>
+            <a:r>
+              <a:rPr lang="en-US" sz="1300" dirty="0"/>
+              <a:t> </a:t>
+            </a:r>
+            <a:r>
+              <a:rPr lang="en-US" sz="1300" dirty="0" err="1"/>
+              <a:t>lưu</a:t>
+            </a:r>
+            <a:r>
+              <a:rPr lang="en-US" sz="1300" dirty="0"/>
+              <a:t> </a:t>
+            </a:r>
+            <a:r>
+              <a:rPr lang="en-US" sz="1300" dirty="0" err="1"/>
+              <a:t>trữ</a:t>
+            </a:r>
+            <a:r>
+              <a:rPr lang="en-US" sz="1300" dirty="0"/>
+              <a:t> video </a:t>
+            </a:r>
+            <a:r>
+              <a:rPr lang="en-US" sz="1300" dirty="0" err="1"/>
+              <a:t>khi</a:t>
+            </a:r>
+            <a:r>
+              <a:rPr lang="en-US" sz="1300" dirty="0"/>
+              <a:t> </a:t>
+            </a:r>
+            <a:r>
+              <a:rPr lang="en-US" sz="1300" dirty="0" err="1"/>
+              <a:t>kết</a:t>
+            </a:r>
+            <a:r>
+              <a:rPr lang="en-US" sz="1300" dirty="0"/>
+              <a:t> </a:t>
+            </a:r>
+            <a:r>
+              <a:rPr lang="en-US" sz="1300" dirty="0" err="1"/>
+              <a:t>nối</a:t>
+            </a:r>
+            <a:r>
+              <a:rPr lang="en-US" sz="1300" dirty="0"/>
+              <a:t> </a:t>
+            </a:r>
+            <a:r>
+              <a:rPr lang="en-US" sz="1300" dirty="0" err="1"/>
+              <a:t>với</a:t>
+            </a:r>
+            <a:r>
+              <a:rPr lang="en-US" sz="1300" dirty="0"/>
+              <a:t> </a:t>
+            </a:r>
+            <a:r>
+              <a:rPr lang="en-US" sz="1300" dirty="0" err="1"/>
+              <a:t>Verhicle</a:t>
+            </a:r>
+            <a:r>
+              <a:rPr lang="en-US" sz="1300" dirty="0"/>
+              <a:t> Device </a:t>
+            </a:r>
+            <a:r>
+              <a:rPr lang="en-US" sz="1300" dirty="0" err="1"/>
+              <a:t>bởi</a:t>
+            </a:r>
+            <a:r>
+              <a:rPr lang="en-US" sz="1300" dirty="0"/>
+              <a:t> </a:t>
+            </a:r>
+            <a:r>
+              <a:rPr lang="en-US" sz="1300" dirty="0" err="1"/>
+              <a:t>wifi</a:t>
+            </a:r>
+            <a:r>
+              <a:rPr lang="en-US" sz="1300" dirty="0"/>
+              <a:t>, </a:t>
+            </a:r>
+          </a:p>
+          <a:p>
+            <a:pPr marL="342900" indent="-342900">
+              <a:buAutoNum type="arabicPeriod"/>
+            </a:pPr>
+            <a:r>
+              <a:rPr lang="en-US" sz="1300" dirty="0" err="1"/>
+              <a:t>Gửi</a:t>
+            </a:r>
+            <a:r>
+              <a:rPr lang="en-US" sz="1300" dirty="0"/>
+              <a:t> video file </a:t>
+            </a:r>
+            <a:r>
+              <a:rPr lang="en-US" sz="1300" dirty="0" err="1"/>
+              <a:t>khi</a:t>
+            </a:r>
+            <a:r>
+              <a:rPr lang="en-US" sz="1300" dirty="0"/>
+              <a:t> </a:t>
+            </a:r>
+            <a:r>
+              <a:rPr lang="en-US" sz="1300" dirty="0" err="1"/>
+              <a:t>có</a:t>
+            </a:r>
+            <a:r>
+              <a:rPr lang="en-US" sz="1300" dirty="0"/>
+              <a:t> </a:t>
+            </a:r>
+            <a:r>
+              <a:rPr lang="en-US" sz="1300" dirty="0" err="1"/>
+              <a:t>kết</a:t>
+            </a:r>
+            <a:r>
+              <a:rPr lang="en-US" sz="1300" dirty="0"/>
+              <a:t> </a:t>
+            </a:r>
+            <a:r>
+              <a:rPr lang="en-US" sz="1300" dirty="0" err="1"/>
+              <a:t>nối</a:t>
+            </a:r>
+            <a:r>
+              <a:rPr lang="en-US" sz="1300" dirty="0"/>
+              <a:t> </a:t>
+            </a:r>
+            <a:r>
+              <a:rPr lang="en-US" sz="1300" dirty="0" err="1"/>
+              <a:t>wifi</a:t>
+            </a:r>
+            <a:r>
+              <a:rPr lang="en-US" sz="1300" dirty="0"/>
+              <a:t> </a:t>
+            </a:r>
+            <a:r>
+              <a:rPr lang="en-US" sz="1300" dirty="0" err="1"/>
+              <a:t>đến</a:t>
+            </a:r>
+            <a:r>
+              <a:rPr lang="en-US" sz="1300" dirty="0"/>
+              <a:t> server </a:t>
+            </a:r>
+          </a:p>
+          <a:p>
+            <a:pPr marL="342900" indent="-342900">
+              <a:buAutoNum type="arabicPeriod"/>
+            </a:pPr>
+            <a:endParaRPr lang="en-US" sz="1300" dirty="0"/>
+          </a:p>
+        </p:txBody>
+      </p:sp>
+      <p:sp>
+        <p:nvSpPr>
+          <p:cNvPr id="20" name="TextBox 19">
+            <a:extLst>
+              <a:ext uri="{FF2B5EF4-FFF2-40B4-BE49-F238E27FC236}">
+                <a16:creationId xmlns:a16="http://schemas.microsoft.com/office/drawing/2014/main" id="{49499C5D-7D1E-412C-8452-8BF9B6F6DA13}"/>
+              </a:ext>
+            </a:extLst>
+          </p:cNvPr>
+          <p:cNvSpPr txBox="1"/>
+          <p:nvPr/>
+        </p:nvSpPr>
+        <p:spPr>
+          <a:xfrm>
+            <a:off x="6725369" y="3620933"/>
+            <a:ext cx="4730334" cy="1169551"/>
+          </a:xfrm>
+          <a:prstGeom prst="rect">
+            <a:avLst/>
+          </a:prstGeom>
+          <a:noFill/>
+        </p:spPr>
+        <p:txBody>
+          <a:bodyPr wrap="none" rtlCol="0">
+            <a:spAutoFit/>
+          </a:bodyPr>
+          <a:lstStyle/>
+          <a:p>
+            <a:r>
+              <a:rPr lang="en-US" dirty="0">
+                <a:solidFill>
+                  <a:schemeClr val="tx1"/>
+                </a:solidFill>
+              </a:rPr>
+              <a:t>Server:</a:t>
+            </a:r>
+            <a:endParaRPr lang="en-US" dirty="0"/>
+          </a:p>
+          <a:p>
+            <a:pPr marL="342900" indent="-342900">
+              <a:buAutoNum type="arabicPeriod"/>
+            </a:pPr>
+            <a:r>
+              <a:rPr lang="en-US" sz="1300" dirty="0" err="1"/>
+              <a:t>Kết</a:t>
+            </a:r>
+            <a:r>
+              <a:rPr lang="en-US" sz="1300" dirty="0"/>
+              <a:t> </a:t>
+            </a:r>
+            <a:r>
+              <a:rPr lang="en-US" sz="1300" dirty="0" err="1"/>
+              <a:t>nối</a:t>
+            </a:r>
+            <a:r>
+              <a:rPr lang="en-US" sz="1300" dirty="0"/>
+              <a:t> </a:t>
+            </a:r>
+            <a:r>
+              <a:rPr lang="en-US" sz="1300" dirty="0" err="1"/>
+              <a:t>verhicle</a:t>
+            </a:r>
+            <a:r>
+              <a:rPr lang="en-US" sz="1300" dirty="0"/>
+              <a:t> device </a:t>
+            </a:r>
+            <a:r>
+              <a:rPr lang="en-US" sz="1300" dirty="0" err="1"/>
+              <a:t>với</a:t>
+            </a:r>
+            <a:r>
+              <a:rPr lang="en-US" sz="1300" dirty="0"/>
+              <a:t> </a:t>
+            </a:r>
+            <a:r>
+              <a:rPr lang="en-US" sz="1300" dirty="0" err="1"/>
+              <a:t>phone,pc</a:t>
+            </a:r>
+            <a:r>
+              <a:rPr lang="en-US" sz="1300" dirty="0"/>
+              <a:t> </a:t>
+            </a:r>
+            <a:r>
+              <a:rPr lang="en-US" sz="1300" dirty="0" err="1"/>
+              <a:t>để</a:t>
+            </a:r>
+            <a:r>
+              <a:rPr lang="en-US" sz="1300" dirty="0"/>
+              <a:t> tracking, stream video</a:t>
+            </a:r>
+          </a:p>
+          <a:p>
+            <a:pPr marL="342900" indent="-342900">
+              <a:buAutoNum type="arabicPeriod"/>
+            </a:pPr>
+            <a:r>
+              <a:rPr lang="en-US" sz="1300" dirty="0" err="1"/>
+              <a:t>Nhận</a:t>
+            </a:r>
+            <a:r>
+              <a:rPr lang="en-US" sz="1300" dirty="0"/>
+              <a:t> </a:t>
+            </a:r>
+            <a:r>
+              <a:rPr lang="en-US" sz="1300" dirty="0" err="1"/>
+              <a:t>và</a:t>
+            </a:r>
+            <a:r>
+              <a:rPr lang="en-US" sz="1300" dirty="0"/>
+              <a:t> </a:t>
+            </a:r>
+            <a:r>
+              <a:rPr lang="en-US" sz="1300" dirty="0" err="1"/>
+              <a:t>lưu</a:t>
+            </a:r>
+            <a:r>
+              <a:rPr lang="en-US" sz="1300" dirty="0"/>
+              <a:t> </a:t>
+            </a:r>
+            <a:r>
+              <a:rPr lang="en-US" sz="1300" dirty="0" err="1"/>
+              <a:t>trữ</a:t>
+            </a:r>
+            <a:r>
+              <a:rPr lang="en-US" sz="1300" dirty="0"/>
+              <a:t> video </a:t>
+            </a:r>
+            <a:r>
+              <a:rPr lang="en-US" sz="1300" dirty="0" err="1"/>
+              <a:t>khi</a:t>
+            </a:r>
+            <a:r>
+              <a:rPr lang="en-US" sz="1300" dirty="0"/>
+              <a:t> </a:t>
+            </a:r>
+            <a:r>
+              <a:rPr lang="en-US" sz="1300" dirty="0" err="1"/>
+              <a:t>kết</a:t>
+            </a:r>
+            <a:r>
+              <a:rPr lang="en-US" sz="1300" dirty="0"/>
+              <a:t> </a:t>
+            </a:r>
+            <a:r>
+              <a:rPr lang="en-US" sz="1300" dirty="0" err="1"/>
+              <a:t>nối</a:t>
+            </a:r>
+            <a:r>
+              <a:rPr lang="en-US" sz="1300" dirty="0"/>
+              <a:t> </a:t>
+            </a:r>
+            <a:r>
+              <a:rPr lang="en-US" sz="1300" dirty="0" err="1"/>
+              <a:t>với</a:t>
+            </a:r>
+            <a:r>
+              <a:rPr lang="en-US" sz="1300" dirty="0"/>
+              <a:t> </a:t>
+            </a:r>
+            <a:r>
+              <a:rPr lang="en-US" sz="1300" dirty="0" err="1"/>
+              <a:t>Verhicle</a:t>
+            </a:r>
+            <a:r>
+              <a:rPr lang="en-US" sz="1300" dirty="0"/>
+              <a:t> Device </a:t>
+            </a:r>
+            <a:r>
+              <a:rPr lang="en-US" sz="1300" dirty="0" err="1"/>
+              <a:t>bởi</a:t>
+            </a:r>
+            <a:r>
+              <a:rPr lang="en-US" sz="1300" dirty="0"/>
+              <a:t> </a:t>
+            </a:r>
+            <a:r>
+              <a:rPr lang="en-US" sz="1300" dirty="0" err="1"/>
+              <a:t>wifi</a:t>
+            </a:r>
+            <a:r>
+              <a:rPr lang="en-US" sz="1300" dirty="0"/>
+              <a:t>, </a:t>
+            </a:r>
+          </a:p>
+          <a:p>
+            <a:pPr marL="342900" indent="-342900">
+              <a:buAutoNum type="arabicPeriod"/>
+            </a:pPr>
+            <a:r>
+              <a:rPr lang="en-US" sz="1300" dirty="0" err="1"/>
+              <a:t>Gửi</a:t>
+            </a:r>
+            <a:r>
+              <a:rPr lang="en-US" sz="1300" dirty="0"/>
+              <a:t> video file </a:t>
+            </a:r>
+            <a:r>
+              <a:rPr lang="en-US" sz="1300" dirty="0" err="1"/>
+              <a:t>khi</a:t>
+            </a:r>
+            <a:r>
+              <a:rPr lang="en-US" sz="1300" dirty="0"/>
+              <a:t> </a:t>
+            </a:r>
+            <a:r>
+              <a:rPr lang="en-US" sz="1300" dirty="0" err="1"/>
+              <a:t>có</a:t>
+            </a:r>
+            <a:r>
+              <a:rPr lang="en-US" sz="1300" dirty="0"/>
+              <a:t> </a:t>
+            </a:r>
+            <a:r>
+              <a:rPr lang="en-US" sz="1300" dirty="0" err="1"/>
+              <a:t>kết</a:t>
+            </a:r>
+            <a:r>
+              <a:rPr lang="en-US" sz="1300" dirty="0"/>
+              <a:t> </a:t>
+            </a:r>
+            <a:r>
+              <a:rPr lang="en-US" sz="1300" dirty="0" err="1"/>
+              <a:t>nối</a:t>
+            </a:r>
+            <a:r>
+              <a:rPr lang="en-US" sz="1300" dirty="0"/>
+              <a:t> </a:t>
+            </a:r>
+            <a:r>
+              <a:rPr lang="en-US" sz="1300" dirty="0" err="1"/>
+              <a:t>wifi</a:t>
+            </a:r>
+            <a:r>
+              <a:rPr lang="en-US" sz="1300" dirty="0"/>
+              <a:t> </a:t>
+            </a:r>
+            <a:r>
+              <a:rPr lang="en-US" sz="1300" dirty="0" err="1"/>
+              <a:t>đến</a:t>
+            </a:r>
+            <a:r>
+              <a:rPr lang="en-US" sz="1300" dirty="0"/>
+              <a:t> server </a:t>
+            </a:r>
+          </a:p>
+          <a:p>
+            <a:pPr marL="342900" indent="-342900">
+              <a:buAutoNum type="arabicPeriod"/>
+            </a:pPr>
+            <a:endParaRPr lang="en-US" sz="1300" dirty="0"/>
           </a:p>
         </p:txBody>
       </p:sp>
@@ -3576,22 +4748,30 @@
           <a:p>
             <a:pPr algn="ctr"/>
             <a:r>
+              <a:rPr lang="en-US" dirty="0" err="1">
+                <a:solidFill>
+                  <a:schemeClr val="tx1"/>
+                </a:solidFill>
+              </a:rPr>
+              <a:t>Verhicle</a:t>
+            </a:r>
+            <a:r>
               <a:rPr lang="en-US" dirty="0">
                 <a:solidFill>
                   <a:schemeClr val="tx1"/>
                 </a:solidFill>
               </a:rPr>
-              <a:t>Camera Device</a:t>
-            </a:r>
-          </a:p>
-        </p:txBody>
-      </p:sp>
-      <p:sp>
-        <p:nvSpPr>
-          <p:cNvPr id="6" name="Oval 5">
-            <a:extLst>
-              <a:ext uri="{FF2B5EF4-FFF2-40B4-BE49-F238E27FC236}">
-                <a16:creationId xmlns:a16="http://schemas.microsoft.com/office/drawing/2014/main" id="{D462C44F-E7D3-4049-AFFD-F4584D9AF67A}"/>
+              <a:t> Device</a:t>
+            </a:r>
+          </a:p>
+        </p:txBody>
+      </p:sp>
+      <p:sp>
+        <p:nvSpPr>
+          <p:cNvPr id="7" name="Oval 6">
+            <a:extLst>
+              <a:ext uri="{FF2B5EF4-FFF2-40B4-BE49-F238E27FC236}">
+                <a16:creationId xmlns:a16="http://schemas.microsoft.com/office/drawing/2014/main" id="{3BD60B96-9920-4788-BA4E-F595B31AE48C}"/>
               </a:ext>
             </a:extLst>
           </p:cNvPr>
@@ -3600,7 +4780,7 @@
         </p:nvSpPr>
         <p:spPr>
           <a:xfrm>
-            <a:off x="4363451" y="4331369"/>
+            <a:off x="6529136" y="1788695"/>
             <a:ext cx="1973179" cy="914400"/>
           </a:xfrm>
           <a:prstGeom prst="ellipse">
@@ -3635,73 +4815,6 @@
           <a:p>
             <a:pPr algn="ctr"/>
             <a:r>
-              <a:rPr lang="en-US" dirty="0" err="1">
-                <a:solidFill>
-                  <a:schemeClr val="tx1"/>
-                </a:solidFill>
-              </a:rPr>
-              <a:t>App,Phone</a:t>
-            </a:r>
-            <a:r>
-              <a:rPr lang="en-US" dirty="0">
-                <a:solidFill>
-                  <a:schemeClr val="tx1"/>
-                </a:solidFill>
-              </a:rPr>
-              <a:t> device</a:t>
-            </a:r>
-          </a:p>
-        </p:txBody>
-      </p:sp>
-      <p:sp>
-        <p:nvSpPr>
-          <p:cNvPr id="7" name="Oval 6">
-            <a:extLst>
-              <a:ext uri="{FF2B5EF4-FFF2-40B4-BE49-F238E27FC236}">
-                <a16:creationId xmlns:a16="http://schemas.microsoft.com/office/drawing/2014/main" id="{3BD60B96-9920-4788-BA4E-F595B31AE48C}"/>
-              </a:ext>
-            </a:extLst>
-          </p:cNvPr>
-          <p:cNvSpPr/>
-          <p:nvPr/>
-        </p:nvSpPr>
-        <p:spPr>
-          <a:xfrm>
-            <a:off x="6529136" y="1788695"/>
-            <a:ext cx="1973179" cy="914400"/>
-          </a:xfrm>
-          <a:prstGeom prst="ellipse">
-            <a:avLst/>
-          </a:prstGeom>
-          <a:noFill/>
-          <a:ln w="19050">
-            <a:solidFill>
-              <a:srgbClr val="002060"/>
-            </a:solidFill>
-          </a:ln>
-        </p:spPr>
-        <p:style>
-          <a:lnRef idx="2">
-            <a:schemeClr val="accent1">
-              <a:shade val="50000"/>
-            </a:schemeClr>
-          </a:lnRef>
-          <a:fillRef idx="1">
-            <a:schemeClr val="accent1"/>
-          </a:fillRef>
-          <a:effectRef idx="0">
-            <a:schemeClr val="accent1"/>
-          </a:effectRef>
-          <a:fontRef idx="minor">
-            <a:schemeClr val="lt1"/>
-          </a:fontRef>
-        </p:style>
-        <p:txBody>
-          <a:bodyPr rtlCol="0" anchor="ctr"/>
-          <a:lstStyle/>
-          <a:p>
-            <a:pPr algn="ctr"/>
-            <a:r>
               <a:rPr lang="en-US" dirty="0">
                 <a:solidFill>
                   <a:schemeClr val="tx1"/>
@@ -3737,7 +4850,7 @@
               <a:gd name="adj1" fmla="val 2950019"/>
             </a:avLst>
           </a:prstGeom>
-          <a:ln>
+          <a:ln w="38100">
             <a:tailEnd type="triangle"/>
           </a:ln>
         </p:spPr>
@@ -3756,135 +4869,6 @@
           </a:fontRef>
         </p:style>
       </p:cxnSp>
-      <p:cxnSp>
-        <p:nvCxnSpPr>
-          <p:cNvPr id="16" name="Connector: Elbow 15">
-            <a:extLst>
-              <a:ext uri="{FF2B5EF4-FFF2-40B4-BE49-F238E27FC236}">
-                <a16:creationId xmlns:a16="http://schemas.microsoft.com/office/drawing/2014/main" id="{26C7EF41-DA23-4E77-8A10-3048FB484DA4}"/>
-              </a:ext>
-            </a:extLst>
-          </p:cNvPr>
-          <p:cNvCxnSpPr>
-            <a:stCxn id="7" idx="2"/>
-            <a:endCxn id="4" idx="6"/>
-          </p:cNvCxnSpPr>
-          <p:nvPr/>
-        </p:nvCxnSpPr>
-        <p:spPr>
-          <a:xfrm rot="10800000" flipV="1">
-            <a:off x="3673642" y="2245894"/>
-            <a:ext cx="2855495" cy="8021"/>
-          </a:xfrm>
-          <a:prstGeom prst="bentConnector3">
-            <a:avLst/>
-          </a:prstGeom>
-          <a:ln>
-            <a:tailEnd type="triangle"/>
-          </a:ln>
-        </p:spPr>
-        <p:style>
-          <a:lnRef idx="1">
-            <a:schemeClr val="accent1"/>
-          </a:lnRef>
-          <a:fillRef idx="0">
-            <a:schemeClr val="accent1"/>
-          </a:fillRef>
-          <a:effectRef idx="0">
-            <a:schemeClr val="accent1"/>
-          </a:effectRef>
-          <a:fontRef idx="minor">
-            <a:schemeClr val="tx1"/>
-          </a:fontRef>
-        </p:style>
-      </p:cxnSp>
-      <p:cxnSp>
-        <p:nvCxnSpPr>
-          <p:cNvPr id="24" name="Connector: Elbow 23">
-            <a:extLst>
-              <a:ext uri="{FF2B5EF4-FFF2-40B4-BE49-F238E27FC236}">
-                <a16:creationId xmlns:a16="http://schemas.microsoft.com/office/drawing/2014/main" id="{DB96FDC8-34E7-4F51-9E02-5F7614526141}"/>
-              </a:ext>
-            </a:extLst>
-          </p:cNvPr>
-          <p:cNvCxnSpPr>
-            <a:stCxn id="7" idx="4"/>
-            <a:endCxn id="6" idx="6"/>
-          </p:cNvCxnSpPr>
-          <p:nvPr/>
-        </p:nvCxnSpPr>
-        <p:spPr>
-          <a:xfrm rot="5400000">
-            <a:off x="5883441" y="3156284"/>
-            <a:ext cx="2085474" cy="1179096"/>
-          </a:xfrm>
-          <a:prstGeom prst="bentConnector2">
-            <a:avLst/>
-          </a:prstGeom>
-          <a:ln>
-            <a:tailEnd type="triangle"/>
-          </a:ln>
-        </p:spPr>
-        <p:style>
-          <a:lnRef idx="1">
-            <a:schemeClr val="accent1"/>
-          </a:lnRef>
-          <a:fillRef idx="0">
-            <a:schemeClr val="accent1"/>
-          </a:fillRef>
-          <a:effectRef idx="0">
-            <a:schemeClr val="accent1"/>
-          </a:effectRef>
-          <a:fontRef idx="minor">
-            <a:schemeClr val="tx1"/>
-          </a:fontRef>
-        </p:style>
-      </p:cxnSp>
-      <p:cxnSp>
-        <p:nvCxnSpPr>
-          <p:cNvPr id="26" name="Connector: Elbow 25">
-            <a:extLst>
-              <a:ext uri="{FF2B5EF4-FFF2-40B4-BE49-F238E27FC236}">
-                <a16:creationId xmlns:a16="http://schemas.microsoft.com/office/drawing/2014/main" id="{CADD23BB-2B28-4F8D-B9EF-FFAE432CBBF0}"/>
-              </a:ext>
-            </a:extLst>
-          </p:cNvPr>
-          <p:cNvCxnSpPr>
-            <a:stCxn id="6" idx="4"/>
-            <a:endCxn id="7" idx="6"/>
-          </p:cNvCxnSpPr>
-          <p:nvPr/>
-        </p:nvCxnSpPr>
-        <p:spPr>
-          <a:xfrm rot="5400000" flipH="1" flipV="1">
-            <a:off x="5426241" y="2169695"/>
-            <a:ext cx="2999874" cy="3152274"/>
-          </a:xfrm>
-          <a:prstGeom prst="bentConnector4">
-            <a:avLst>
-              <a:gd name="adj1" fmla="val -7620"/>
-              <a:gd name="adj2" fmla="val 107252"/>
-            </a:avLst>
-          </a:prstGeom>
-          <a:ln>
-            <a:tailEnd type="triangle"/>
-          </a:ln>
-        </p:spPr>
-        <p:style>
-          <a:lnRef idx="1">
-            <a:schemeClr val="accent1"/>
-          </a:lnRef>
-          <a:fillRef idx="0">
-            <a:schemeClr val="accent1"/>
-          </a:fillRef>
-          <a:effectRef idx="0">
-            <a:schemeClr val="accent1"/>
-          </a:effectRef>
-          <a:fontRef idx="minor">
-            <a:schemeClr val="tx1"/>
-          </a:fontRef>
-        </p:style>
-      </p:cxnSp>
       <p:sp>
         <p:nvSpPr>
           <p:cNvPr id="27" name="TextBox 26">
@@ -3966,82 +4950,6 @@
       </p:sp>
       <p:sp>
         <p:nvSpPr>
-          <p:cNvPr id="30" name="TextBox 29">
-            <a:extLst>
-              <a:ext uri="{FF2B5EF4-FFF2-40B4-BE49-F238E27FC236}">
-                <a16:creationId xmlns:a16="http://schemas.microsoft.com/office/drawing/2014/main" id="{F0B096BF-BCCF-4695-8F30-931680AEBFF1}"/>
-              </a:ext>
-            </a:extLst>
-          </p:cNvPr>
-          <p:cNvSpPr txBox="1"/>
-          <p:nvPr/>
-        </p:nvSpPr>
-        <p:spPr>
-          <a:xfrm>
-            <a:off x="6200236" y="5449943"/>
-            <a:ext cx="1252266" cy="430887"/>
-          </a:xfrm>
-          <a:prstGeom prst="rect">
-            <a:avLst/>
-          </a:prstGeom>
-          <a:noFill/>
-        </p:spPr>
-        <p:txBody>
-          <a:bodyPr wrap="none" rtlCol="0">
-            <a:spAutoFit/>
-          </a:bodyPr>
-          <a:lstStyle/>
-          <a:p>
-            <a:r>
-              <a:rPr lang="en-US" sz="1100" dirty="0"/>
-              <a:t>Control command:</a:t>
-            </a:r>
-          </a:p>
-          <a:p>
-            <a:r>
-              <a:rPr lang="en-US" sz="1100" dirty="0"/>
-              <a:t>Tracking video</a:t>
-            </a:r>
-          </a:p>
-        </p:txBody>
-      </p:sp>
-      <p:sp>
-        <p:nvSpPr>
-          <p:cNvPr id="31" name="TextBox 30">
-            <a:extLst>
-              <a:ext uri="{FF2B5EF4-FFF2-40B4-BE49-F238E27FC236}">
-                <a16:creationId xmlns:a16="http://schemas.microsoft.com/office/drawing/2014/main" id="{5DC973FE-593E-47DE-B38D-AC273B45A976}"/>
-              </a:ext>
-            </a:extLst>
-          </p:cNvPr>
-          <p:cNvSpPr txBox="1"/>
-          <p:nvPr/>
-        </p:nvSpPr>
-        <p:spPr>
-          <a:xfrm>
-            <a:off x="6336630" y="4154906"/>
-            <a:ext cx="1005403" cy="261610"/>
-          </a:xfrm>
-          <a:prstGeom prst="rect">
-            <a:avLst/>
-          </a:prstGeom>
-          <a:noFill/>
-        </p:spPr>
-        <p:txBody>
-          <a:bodyPr wrap="none" rtlCol="0">
-            <a:spAutoFit/>
-          </a:bodyPr>
-          <a:lstStyle/>
-          <a:p>
-            <a:r>
-              <a:rPr lang="en-US" sz="1100" dirty="0"/>
-              <a:t>Video tracking</a:t>
-            </a:r>
-          </a:p>
-        </p:txBody>
-      </p:sp>
-      <p:sp>
-        <p:nvSpPr>
           <p:cNvPr id="17" name="Title 1">
             <a:extLst>
               <a:ext uri="{FF2B5EF4-FFF2-40B4-BE49-F238E27FC236}">
@@ -4065,7 +4973,7 @@
         </p:spPr>
         <p:txBody>
           <a:bodyPr vert="horz" lIns="91440" tIns="45720" rIns="91440" bIns="45720" rtlCol="0" anchor="b">
-            <a:normAutofit/>
+            <a:normAutofit fontScale="85000" lnSpcReduction="10000"/>
           </a:bodyPr>
           <a:lstStyle>
             <a:lvl1pPr algn="ctr" defTabSz="914400" rtl="0" eaLnBrk="1" latinLnBrk="0" hangingPunct="1">
@@ -4090,7 +4998,155 @@
             <a:pPr algn="l"/>
             <a:r>
               <a:rPr lang="en-US" sz="4000" dirty="0"/>
-              <a:t>Tracking video from server</a:t>
+              <a:t>Tracking video from server(</a:t>
+            </a:r>
+            <a:r>
+              <a:rPr lang="en-US" sz="4000" dirty="0" err="1"/>
+              <a:t>DataFolow</a:t>
+            </a:r>
+            <a:r>
+              <a:rPr lang="en-US" sz="4000" dirty="0"/>
+              <a:t>)</a:t>
+            </a:r>
+          </a:p>
+        </p:txBody>
+      </p:sp>
+      <p:cxnSp>
+        <p:nvCxnSpPr>
+          <p:cNvPr id="3" name="Straight Arrow Connector 2">
+            <a:extLst>
+              <a:ext uri="{FF2B5EF4-FFF2-40B4-BE49-F238E27FC236}">
+                <a16:creationId xmlns:a16="http://schemas.microsoft.com/office/drawing/2014/main" id="{A5010C73-8B2A-4382-9AC7-539F257B4379}"/>
+              </a:ext>
+            </a:extLst>
+          </p:cNvPr>
+          <p:cNvCxnSpPr>
+            <a:stCxn id="7" idx="2"/>
+            <a:endCxn id="4" idx="6"/>
+          </p:cNvCxnSpPr>
+          <p:nvPr/>
+        </p:nvCxnSpPr>
+        <p:spPr>
+          <a:xfrm flipH="1">
+            <a:off x="3673641" y="2245895"/>
+            <a:ext cx="2855495" cy="8021"/>
+          </a:xfrm>
+          <a:prstGeom prst="straightConnector1">
+            <a:avLst/>
+          </a:prstGeom>
+          <a:ln w="38100">
+            <a:tailEnd type="triangle"/>
+          </a:ln>
+        </p:spPr>
+        <p:style>
+          <a:lnRef idx="1">
+            <a:schemeClr val="accent1"/>
+          </a:lnRef>
+          <a:fillRef idx="0">
+            <a:schemeClr val="accent1"/>
+          </a:fillRef>
+          <a:effectRef idx="0">
+            <a:schemeClr val="accent1"/>
+          </a:effectRef>
+          <a:fontRef idx="minor">
+            <a:schemeClr val="tx1"/>
+          </a:fontRef>
+        </p:style>
+      </p:cxnSp>
+      <p:sp>
+        <p:nvSpPr>
+          <p:cNvPr id="18" name="Oval 17">
+            <a:extLst>
+              <a:ext uri="{FF2B5EF4-FFF2-40B4-BE49-F238E27FC236}">
+                <a16:creationId xmlns:a16="http://schemas.microsoft.com/office/drawing/2014/main" id="{5589424F-7C6F-465E-B8B9-12659BB157DB}"/>
+              </a:ext>
+            </a:extLst>
+          </p:cNvPr>
+          <p:cNvSpPr/>
+          <p:nvPr/>
+        </p:nvSpPr>
+        <p:spPr>
+          <a:xfrm>
+            <a:off x="5640803" y="2332665"/>
+            <a:ext cx="910394" cy="268343"/>
+          </a:xfrm>
+          <a:prstGeom prst="ellipse">
+            <a:avLst/>
+          </a:prstGeom>
+        </p:spPr>
+        <p:style>
+          <a:lnRef idx="2">
+            <a:schemeClr val="accent1">
+              <a:shade val="50000"/>
+            </a:schemeClr>
+          </a:lnRef>
+          <a:fillRef idx="1">
+            <a:schemeClr val="accent1"/>
+          </a:fillRef>
+          <a:effectRef idx="0">
+            <a:schemeClr val="accent1"/>
+          </a:effectRef>
+          <a:fontRef idx="minor">
+            <a:schemeClr val="lt1"/>
+          </a:fontRef>
+        </p:style>
+        <p:txBody>
+          <a:bodyPr rtlCol="0" anchor="ctr"/>
+          <a:lstStyle/>
+          <a:p>
+            <a:pPr algn="ctr"/>
+            <a:r>
+              <a:rPr lang="en-US" sz="1100" dirty="0"/>
+              <a:t>Start: 1</a:t>
+            </a:r>
+          </a:p>
+        </p:txBody>
+      </p:sp>
+      <p:sp>
+        <p:nvSpPr>
+          <p:cNvPr id="19" name="Oval 18">
+            <a:extLst>
+              <a:ext uri="{FF2B5EF4-FFF2-40B4-BE49-F238E27FC236}">
+                <a16:creationId xmlns:a16="http://schemas.microsoft.com/office/drawing/2014/main" id="{C394503B-278C-4C8B-8014-0A870AA2C1BA}"/>
+              </a:ext>
+            </a:extLst>
+          </p:cNvPr>
+          <p:cNvSpPr/>
+          <p:nvPr/>
+        </p:nvSpPr>
+        <p:spPr>
+          <a:xfrm>
+            <a:off x="3761749" y="1618792"/>
+            <a:ext cx="265544" cy="268343"/>
+          </a:xfrm>
+          <a:prstGeom prst="ellipse">
+            <a:avLst/>
+          </a:prstGeom>
+        </p:spPr>
+        <p:style>
+          <a:lnRef idx="2">
+            <a:schemeClr val="accent1">
+              <a:shade val="50000"/>
+            </a:schemeClr>
+          </a:lnRef>
+          <a:fillRef idx="1">
+            <a:schemeClr val="accent1"/>
+          </a:fillRef>
+          <a:effectRef idx="0">
+            <a:schemeClr val="accent1"/>
+          </a:effectRef>
+          <a:fontRef idx="minor">
+            <a:schemeClr val="lt1"/>
+          </a:fontRef>
+        </p:style>
+        <p:txBody>
+          <a:bodyPr rtlCol="0" anchor="ctr"/>
+          <a:lstStyle/>
+          <a:p>
+            <a:pPr algn="ctr"/>
+            <a:r>
+              <a:rPr lang="en-US" sz="1100" dirty="0"/>
+              <a:t>2</a:t>
             </a:r>
           </a:p>
         </p:txBody>
@@ -4174,12 +5230,20 @@
           <a:p>
             <a:pPr algn="ctr"/>
             <a:r>
+              <a:rPr lang="en-US" dirty="0" err="1">
+                <a:solidFill>
+                  <a:schemeClr val="tx1"/>
+                </a:solidFill>
+              </a:rPr>
+              <a:t>Verhicle</a:t>
+            </a:r>
+            <a:r>
               <a:rPr lang="en-US" dirty="0">
                 <a:solidFill>
                   <a:schemeClr val="tx1"/>
                 </a:solidFill>
               </a:rPr>
-              <a:t>Camera Device</a:t>
+              <a:t> Device</a:t>
             </a:r>
           </a:p>
         </p:txBody>
@@ -4333,7 +5397,7 @@
           <a:prstGeom prst="bentConnector2">
             <a:avLst/>
           </a:prstGeom>
-          <a:ln>
+          <a:ln w="38100">
             <a:tailEnd type="triangle"/>
           </a:ln>
         </p:spPr>
@@ -4376,7 +5440,7 @@
           <a:prstGeom prst="bentConnector2">
             <a:avLst/>
           </a:prstGeom>
-          <a:ln>
+          <a:ln w="38100">
             <a:tailEnd type="triangle"/>
           </a:ln>
         </p:spPr>
@@ -4421,7 +5485,7 @@
               <a:gd name="adj1" fmla="val 50000"/>
             </a:avLst>
           </a:prstGeom>
-          <a:ln>
+          <a:ln w="38100">
             <a:tailEnd type="triangle"/>
           </a:ln>
         </p:spPr>
@@ -4466,7 +5530,7 @@
               <a:gd name="adj1" fmla="val -8991"/>
             </a:avLst>
           </a:prstGeom>
-          <a:ln>
+          <a:ln w="38100">
             <a:tailEnd type="triangle"/>
           </a:ln>
         </p:spPr>
@@ -4676,7 +5740,7 @@
         </p:spPr>
         <p:txBody>
           <a:bodyPr vert="horz" lIns="91440" tIns="45720" rIns="91440" bIns="45720" rtlCol="0" anchor="b">
-            <a:normAutofit/>
+            <a:normAutofit fontScale="85000" lnSpcReduction="10000"/>
           </a:bodyPr>
           <a:lstStyle>
             <a:lvl1pPr algn="ctr" defTabSz="914400" rtl="0" eaLnBrk="1" latinLnBrk="0" hangingPunct="1">
@@ -4707,7 +5771,18 @@
               <a:rPr lang="en-US" sz="4000" dirty="0" err="1"/>
               <a:t>rtsp</a:t>
             </a:r>
-            <a:endParaRPr lang="en-US" sz="4000" dirty="0"/>
+            <a:r>
+              <a:rPr lang="en-US" sz="4000" dirty="0"/>
+              <a:t> from App (</a:t>
+            </a:r>
+            <a:r>
+              <a:rPr lang="en-US" sz="4000" dirty="0" err="1"/>
+              <a:t>DataFlow</a:t>
+            </a:r>
+            <a:r>
+              <a:rPr lang="en-US" sz="4000" dirty="0"/>
+              <a:t>)</a:t>
+            </a:r>
           </a:p>
         </p:txBody>
       </p:sp>
@@ -4955,19 +6030,24 @@
         </p:nvSpPr>
         <p:spPr/>
         <p:txBody>
-          <a:bodyPr/>
-          <a:lstStyle/>
-          <a:p>
-            <a:endParaRPr lang="en-US" dirty="0"/>
-          </a:p>
-        </p:txBody>
-      </p:sp>
-      <p:sp>
-        <p:nvSpPr>
-          <p:cNvPr id="3" name="Content Placeholder 2">
-            <a:extLst>
-              <a:ext uri="{FF2B5EF4-FFF2-40B4-BE49-F238E27FC236}">
-                <a16:creationId xmlns:a16="http://schemas.microsoft.com/office/drawing/2014/main" id="{EBC7807D-E99C-4449-8EE4-39D03A2DBA1C}"/>
+          <a:bodyPr>
+            <a:normAutofit/>
+          </a:bodyPr>
+          <a:lstStyle/>
+          <a:p>
+            <a:r>
+              <a:rPr lang="en-US" sz="4000" dirty="0"/>
+              <a:t>Camera device</a:t>
+            </a:r>
+          </a:p>
+        </p:txBody>
+      </p:sp>
+      <p:sp>
+        <p:nvSpPr>
+          <p:cNvPr id="4" name="Content Placeholder 3">
+            <a:extLst>
+              <a:ext uri="{FF2B5EF4-FFF2-40B4-BE49-F238E27FC236}">
+                <a16:creationId xmlns:a16="http://schemas.microsoft.com/office/drawing/2014/main" id="{9BB232ED-AC81-40D8-A708-3402A09AA969}"/>
               </a:ext>
             </a:extLst>
           </p:cNvPr>
@@ -4978,19 +6058,2251 @@
             <p:ph idx="1"/>
           </p:nvPr>
         </p:nvSpPr>
-        <p:spPr/>
-        <p:txBody>
-          <a:bodyPr/>
-          <a:lstStyle/>
-          <a:p>
-            <a:endParaRPr lang="en-US"/>
-          </a:p>
-        </p:txBody>
-      </p:sp>
+        <p:spPr>
+          <a:xfrm>
+            <a:off x="2845837" y="1896576"/>
+            <a:ext cx="6671388" cy="3655138"/>
+          </a:xfrm>
+          <a:prstGeom prst="rect">
+            <a:avLst/>
+          </a:prstGeom>
+          <a:noFill/>
+          <a:ln w="19050"/>
+        </p:spPr>
+        <p:style>
+          <a:lnRef idx="2">
+            <a:schemeClr val="accent1">
+              <a:shade val="50000"/>
+            </a:schemeClr>
+          </a:lnRef>
+          <a:fillRef idx="1">
+            <a:schemeClr val="accent1"/>
+          </a:fillRef>
+          <a:effectRef idx="0">
+            <a:schemeClr val="accent1"/>
+          </a:effectRef>
+          <a:fontRef idx="minor">
+            <a:schemeClr val="lt1"/>
+          </a:fontRef>
+        </p:style>
+        <p:txBody>
+          <a:bodyPr rtlCol="0" anchor="t" anchorCtr="0"/>
+          <a:lstStyle/>
+          <a:p>
+            <a:pPr marL="0" indent="0" algn="ctr">
+              <a:buNone/>
+            </a:pPr>
+            <a:r>
+              <a:rPr lang="en-US" dirty="0" err="1">
+                <a:solidFill>
+                  <a:schemeClr val="tx1"/>
+                </a:solidFill>
+              </a:rPr>
+              <a:t>Verhicle</a:t>
+            </a:r>
+            <a:r>
+              <a:rPr lang="en-US" dirty="0">
+                <a:solidFill>
+                  <a:schemeClr val="tx1"/>
+                </a:solidFill>
+              </a:rPr>
+              <a:t> Device</a:t>
+            </a:r>
+          </a:p>
+        </p:txBody>
+      </p:sp>
+      <p:sp>
+        <p:nvSpPr>
+          <p:cNvPr id="5" name="Rectangle: Rounded Corners 4">
+            <a:extLst>
+              <a:ext uri="{FF2B5EF4-FFF2-40B4-BE49-F238E27FC236}">
+                <a16:creationId xmlns:a16="http://schemas.microsoft.com/office/drawing/2014/main" id="{EDAAB58F-1F67-4DD2-AC1A-42690EB97B08}"/>
+              </a:ext>
+            </a:extLst>
+          </p:cNvPr>
+          <p:cNvSpPr/>
+          <p:nvPr/>
+        </p:nvSpPr>
+        <p:spPr>
+          <a:xfrm>
+            <a:off x="3268825" y="2378689"/>
+            <a:ext cx="3046458" cy="2980436"/>
+          </a:xfrm>
+          <a:prstGeom prst="roundRect">
+            <a:avLst/>
+          </a:prstGeom>
+          <a:noFill/>
+          <a:ln w="19050"/>
+        </p:spPr>
+        <p:style>
+          <a:lnRef idx="2">
+            <a:schemeClr val="accent1">
+              <a:shade val="50000"/>
+            </a:schemeClr>
+          </a:lnRef>
+          <a:fillRef idx="1">
+            <a:schemeClr val="accent1"/>
+          </a:fillRef>
+          <a:effectRef idx="0">
+            <a:schemeClr val="accent1"/>
+          </a:effectRef>
+          <a:fontRef idx="minor">
+            <a:schemeClr val="lt1"/>
+          </a:fontRef>
+        </p:style>
+        <p:txBody>
+          <a:bodyPr rtlCol="0" anchor="ctr"/>
+          <a:lstStyle/>
+          <a:p>
+            <a:endParaRPr lang="en-US" dirty="0">
+              <a:solidFill>
+                <a:schemeClr val="tx1"/>
+              </a:solidFill>
+            </a:endParaRPr>
+          </a:p>
+        </p:txBody>
+      </p:sp>
+      <p:sp>
+        <p:nvSpPr>
+          <p:cNvPr id="7" name="Rectangle: Rounded Corners 6">
+            <a:extLst>
+              <a:ext uri="{FF2B5EF4-FFF2-40B4-BE49-F238E27FC236}">
+                <a16:creationId xmlns:a16="http://schemas.microsoft.com/office/drawing/2014/main" id="{C33810DD-4D83-4F3F-AE79-384362724F65}"/>
+              </a:ext>
+            </a:extLst>
+          </p:cNvPr>
+          <p:cNvSpPr/>
+          <p:nvPr/>
+        </p:nvSpPr>
+        <p:spPr>
+          <a:xfrm>
+            <a:off x="6877447" y="2987635"/>
+            <a:ext cx="2077614" cy="303572"/>
+          </a:xfrm>
+          <a:prstGeom prst="roundRect">
+            <a:avLst/>
+          </a:prstGeom>
+          <a:noFill/>
+          <a:ln w="19050"/>
+        </p:spPr>
+        <p:style>
+          <a:lnRef idx="2">
+            <a:schemeClr val="accent1">
+              <a:shade val="50000"/>
+            </a:schemeClr>
+          </a:lnRef>
+          <a:fillRef idx="1">
+            <a:schemeClr val="accent1"/>
+          </a:fillRef>
+          <a:effectRef idx="0">
+            <a:schemeClr val="accent1"/>
+          </a:effectRef>
+          <a:fontRef idx="minor">
+            <a:schemeClr val="lt1"/>
+          </a:fontRef>
+        </p:style>
+        <p:txBody>
+          <a:bodyPr rtlCol="0" anchor="ctr"/>
+          <a:lstStyle/>
+          <a:p>
+            <a:pPr algn="ctr"/>
+            <a:r>
+              <a:rPr lang="en-US" dirty="0" err="1">
+                <a:solidFill>
+                  <a:schemeClr val="tx1"/>
+                </a:solidFill>
+              </a:rPr>
+              <a:t>CameraIP</a:t>
+            </a:r>
+            <a:endParaRPr lang="en-US" dirty="0">
+              <a:solidFill>
+                <a:schemeClr val="tx1"/>
+              </a:solidFill>
+            </a:endParaRPr>
+          </a:p>
+        </p:txBody>
+      </p:sp>
+      <p:sp>
+        <p:nvSpPr>
+          <p:cNvPr id="8" name="Rectangle: Rounded Corners 7">
+            <a:extLst>
+              <a:ext uri="{FF2B5EF4-FFF2-40B4-BE49-F238E27FC236}">
+                <a16:creationId xmlns:a16="http://schemas.microsoft.com/office/drawing/2014/main" id="{6A6E73CD-5549-4E84-8C0D-C03242A779C7}"/>
+              </a:ext>
+            </a:extLst>
+          </p:cNvPr>
+          <p:cNvSpPr/>
+          <p:nvPr/>
+        </p:nvSpPr>
+        <p:spPr>
+          <a:xfrm>
+            <a:off x="6877447" y="3497095"/>
+            <a:ext cx="2077614" cy="303571"/>
+          </a:xfrm>
+          <a:prstGeom prst="roundRect">
+            <a:avLst/>
+          </a:prstGeom>
+          <a:noFill/>
+          <a:ln w="19050"/>
+        </p:spPr>
+        <p:style>
+          <a:lnRef idx="2">
+            <a:schemeClr val="accent1">
+              <a:shade val="50000"/>
+            </a:schemeClr>
+          </a:lnRef>
+          <a:fillRef idx="1">
+            <a:schemeClr val="accent1"/>
+          </a:fillRef>
+          <a:effectRef idx="0">
+            <a:schemeClr val="accent1"/>
+          </a:effectRef>
+          <a:fontRef idx="minor">
+            <a:schemeClr val="lt1"/>
+          </a:fontRef>
+        </p:style>
+        <p:txBody>
+          <a:bodyPr rtlCol="0" anchor="ctr"/>
+          <a:lstStyle/>
+          <a:p>
+            <a:pPr algn="ctr"/>
+            <a:r>
+              <a:rPr lang="en-US" dirty="0" err="1">
+                <a:solidFill>
+                  <a:schemeClr val="tx1"/>
+                </a:solidFill>
+              </a:rPr>
+              <a:t>CameraIP</a:t>
+            </a:r>
+            <a:endParaRPr lang="en-US" dirty="0">
+              <a:solidFill>
+                <a:schemeClr val="tx1"/>
+              </a:solidFill>
+            </a:endParaRPr>
+          </a:p>
+        </p:txBody>
+      </p:sp>
+      <p:sp>
+        <p:nvSpPr>
+          <p:cNvPr id="9" name="Rectangle: Rounded Corners 8">
+            <a:extLst>
+              <a:ext uri="{FF2B5EF4-FFF2-40B4-BE49-F238E27FC236}">
+                <a16:creationId xmlns:a16="http://schemas.microsoft.com/office/drawing/2014/main" id="{C11340AF-450E-4B0A-93A2-09E01ED111C7}"/>
+              </a:ext>
+            </a:extLst>
+          </p:cNvPr>
+          <p:cNvSpPr/>
+          <p:nvPr/>
+        </p:nvSpPr>
+        <p:spPr>
+          <a:xfrm>
+            <a:off x="6877447" y="4039910"/>
+            <a:ext cx="2077614" cy="303571"/>
+          </a:xfrm>
+          <a:prstGeom prst="roundRect">
+            <a:avLst/>
+          </a:prstGeom>
+          <a:noFill/>
+          <a:ln w="19050"/>
+        </p:spPr>
+        <p:style>
+          <a:lnRef idx="2">
+            <a:schemeClr val="accent1">
+              <a:shade val="50000"/>
+            </a:schemeClr>
+          </a:lnRef>
+          <a:fillRef idx="1">
+            <a:schemeClr val="accent1"/>
+          </a:fillRef>
+          <a:effectRef idx="0">
+            <a:schemeClr val="accent1"/>
+          </a:effectRef>
+          <a:fontRef idx="minor">
+            <a:schemeClr val="lt1"/>
+          </a:fontRef>
+        </p:style>
+        <p:txBody>
+          <a:bodyPr rtlCol="0" anchor="ctr"/>
+          <a:lstStyle/>
+          <a:p>
+            <a:pPr algn="ctr"/>
+            <a:r>
+              <a:rPr lang="en-US" dirty="0" err="1">
+                <a:solidFill>
+                  <a:schemeClr val="tx1"/>
+                </a:solidFill>
+              </a:rPr>
+              <a:t>CameraIP</a:t>
+            </a:r>
+            <a:endParaRPr lang="en-US" dirty="0">
+              <a:solidFill>
+                <a:schemeClr val="tx1"/>
+              </a:solidFill>
+            </a:endParaRPr>
+          </a:p>
+        </p:txBody>
+      </p:sp>
+      <p:sp>
+        <p:nvSpPr>
+          <p:cNvPr id="10" name="Rectangle: Rounded Corners 9">
+            <a:extLst>
+              <a:ext uri="{FF2B5EF4-FFF2-40B4-BE49-F238E27FC236}">
+                <a16:creationId xmlns:a16="http://schemas.microsoft.com/office/drawing/2014/main" id="{024B0FDC-B04A-47A2-871C-8F520DAF8001}"/>
+              </a:ext>
+            </a:extLst>
+          </p:cNvPr>
+          <p:cNvSpPr/>
+          <p:nvPr/>
+        </p:nvSpPr>
+        <p:spPr>
+          <a:xfrm>
+            <a:off x="6877447" y="4599312"/>
+            <a:ext cx="2077614" cy="303571"/>
+          </a:xfrm>
+          <a:prstGeom prst="roundRect">
+            <a:avLst/>
+          </a:prstGeom>
+          <a:noFill/>
+          <a:ln w="19050"/>
+        </p:spPr>
+        <p:style>
+          <a:lnRef idx="2">
+            <a:schemeClr val="accent1">
+              <a:shade val="50000"/>
+            </a:schemeClr>
+          </a:lnRef>
+          <a:fillRef idx="1">
+            <a:schemeClr val="accent1"/>
+          </a:fillRef>
+          <a:effectRef idx="0">
+            <a:schemeClr val="accent1"/>
+          </a:effectRef>
+          <a:fontRef idx="minor">
+            <a:schemeClr val="lt1"/>
+          </a:fontRef>
+        </p:style>
+        <p:txBody>
+          <a:bodyPr rtlCol="0" anchor="ctr"/>
+          <a:lstStyle/>
+          <a:p>
+            <a:pPr algn="ctr"/>
+            <a:r>
+              <a:rPr lang="en-US" dirty="0" err="1">
+                <a:solidFill>
+                  <a:schemeClr val="tx1"/>
+                </a:solidFill>
+              </a:rPr>
+              <a:t>CameraIP</a:t>
+            </a:r>
+            <a:endParaRPr lang="en-US" dirty="0">
+              <a:solidFill>
+                <a:schemeClr val="tx1"/>
+              </a:solidFill>
+            </a:endParaRPr>
+          </a:p>
+        </p:txBody>
+      </p:sp>
+      <p:sp>
+        <p:nvSpPr>
+          <p:cNvPr id="11" name="Rectangle: Rounded Corners 10">
+            <a:extLst>
+              <a:ext uri="{FF2B5EF4-FFF2-40B4-BE49-F238E27FC236}">
+                <a16:creationId xmlns:a16="http://schemas.microsoft.com/office/drawing/2014/main" id="{E031FE1D-FC43-4AEF-99F3-8AEB000BD53B}"/>
+              </a:ext>
+            </a:extLst>
+          </p:cNvPr>
+          <p:cNvSpPr/>
+          <p:nvPr/>
+        </p:nvSpPr>
+        <p:spPr>
+          <a:xfrm>
+            <a:off x="6877447" y="5095472"/>
+            <a:ext cx="2077614" cy="263653"/>
+          </a:xfrm>
+          <a:prstGeom prst="roundRect">
+            <a:avLst/>
+          </a:prstGeom>
+          <a:noFill/>
+          <a:ln w="19050"/>
+        </p:spPr>
+        <p:style>
+          <a:lnRef idx="2">
+            <a:schemeClr val="accent1">
+              <a:shade val="50000"/>
+            </a:schemeClr>
+          </a:lnRef>
+          <a:fillRef idx="1">
+            <a:schemeClr val="accent1"/>
+          </a:fillRef>
+          <a:effectRef idx="0">
+            <a:schemeClr val="accent1"/>
+          </a:effectRef>
+          <a:fontRef idx="minor">
+            <a:schemeClr val="lt1"/>
+          </a:fontRef>
+        </p:style>
+        <p:txBody>
+          <a:bodyPr rtlCol="0" anchor="ctr"/>
+          <a:lstStyle/>
+          <a:p>
+            <a:pPr algn="ctr"/>
+            <a:r>
+              <a:rPr lang="en-US" dirty="0" err="1">
+                <a:solidFill>
+                  <a:schemeClr val="tx1"/>
+                </a:solidFill>
+              </a:rPr>
+              <a:t>CameraIP</a:t>
+            </a:r>
+            <a:endParaRPr lang="en-US" dirty="0">
+              <a:solidFill>
+                <a:schemeClr val="tx1"/>
+              </a:solidFill>
+            </a:endParaRPr>
+          </a:p>
+        </p:txBody>
+      </p:sp>
+      <p:sp>
+        <p:nvSpPr>
+          <p:cNvPr id="12" name="Rectangle: Rounded Corners 11">
+            <a:extLst>
+              <a:ext uri="{FF2B5EF4-FFF2-40B4-BE49-F238E27FC236}">
+                <a16:creationId xmlns:a16="http://schemas.microsoft.com/office/drawing/2014/main" id="{8BF46AD2-0A4F-402F-80C1-70D32D494A28}"/>
+              </a:ext>
+            </a:extLst>
+          </p:cNvPr>
+          <p:cNvSpPr/>
+          <p:nvPr/>
+        </p:nvSpPr>
+        <p:spPr>
+          <a:xfrm>
+            <a:off x="6877447" y="2540022"/>
+            <a:ext cx="2077614" cy="303572"/>
+          </a:xfrm>
+          <a:prstGeom prst="roundRect">
+            <a:avLst/>
+          </a:prstGeom>
+          <a:noFill/>
+          <a:ln w="19050"/>
+        </p:spPr>
+        <p:style>
+          <a:lnRef idx="2">
+            <a:schemeClr val="accent1">
+              <a:shade val="50000"/>
+            </a:schemeClr>
+          </a:lnRef>
+          <a:fillRef idx="1">
+            <a:schemeClr val="accent1"/>
+          </a:fillRef>
+          <a:effectRef idx="0">
+            <a:schemeClr val="accent1"/>
+          </a:effectRef>
+          <a:fontRef idx="minor">
+            <a:schemeClr val="lt1"/>
+          </a:fontRef>
+        </p:style>
+        <p:txBody>
+          <a:bodyPr rtlCol="0" anchor="ctr"/>
+          <a:lstStyle/>
+          <a:p>
+            <a:pPr algn="ctr"/>
+            <a:r>
+              <a:rPr lang="en-US" dirty="0" err="1">
+                <a:solidFill>
+                  <a:schemeClr val="tx1"/>
+                </a:solidFill>
+              </a:rPr>
+              <a:t>CameraIP</a:t>
+            </a:r>
+            <a:endParaRPr lang="en-US" dirty="0">
+              <a:solidFill>
+                <a:schemeClr val="tx1"/>
+              </a:solidFill>
+            </a:endParaRPr>
+          </a:p>
+        </p:txBody>
+      </p:sp>
+      <p:sp>
+        <p:nvSpPr>
+          <p:cNvPr id="13" name="Rectangle: Rounded Corners 12">
+            <a:extLst>
+              <a:ext uri="{FF2B5EF4-FFF2-40B4-BE49-F238E27FC236}">
+                <a16:creationId xmlns:a16="http://schemas.microsoft.com/office/drawing/2014/main" id="{B94B84F7-BF18-4A2E-8108-CF33B6FB5819}"/>
+              </a:ext>
+            </a:extLst>
+          </p:cNvPr>
+          <p:cNvSpPr/>
+          <p:nvPr/>
+        </p:nvSpPr>
+        <p:spPr>
+          <a:xfrm>
+            <a:off x="3402565" y="4437295"/>
+            <a:ext cx="1119672" cy="652602"/>
+          </a:xfrm>
+          <a:prstGeom prst="roundRect">
+            <a:avLst/>
+          </a:prstGeom>
+          <a:noFill/>
+          <a:ln w="19050"/>
+        </p:spPr>
+        <p:style>
+          <a:lnRef idx="2">
+            <a:schemeClr val="accent1">
+              <a:shade val="50000"/>
+            </a:schemeClr>
+          </a:lnRef>
+          <a:fillRef idx="1">
+            <a:schemeClr val="accent1"/>
+          </a:fillRef>
+          <a:effectRef idx="0">
+            <a:schemeClr val="accent1"/>
+          </a:effectRef>
+          <a:fontRef idx="minor">
+            <a:schemeClr val="lt1"/>
+          </a:fontRef>
+        </p:style>
+        <p:txBody>
+          <a:bodyPr rtlCol="0" anchor="ctr"/>
+          <a:lstStyle/>
+          <a:p>
+            <a:pPr algn="ctr"/>
+            <a:r>
+              <a:rPr lang="en-US" dirty="0">
+                <a:solidFill>
+                  <a:schemeClr val="tx1"/>
+                </a:solidFill>
+              </a:rPr>
+              <a:t>AI Detect Object</a:t>
+            </a:r>
+          </a:p>
+        </p:txBody>
+      </p:sp>
+      <p:sp>
+        <p:nvSpPr>
+          <p:cNvPr id="14" name="Rectangle: Rounded Corners 13">
+            <a:extLst>
+              <a:ext uri="{FF2B5EF4-FFF2-40B4-BE49-F238E27FC236}">
+                <a16:creationId xmlns:a16="http://schemas.microsoft.com/office/drawing/2014/main" id="{EEA63DFF-917E-4FC1-873C-01F3C190634D}"/>
+              </a:ext>
+            </a:extLst>
+          </p:cNvPr>
+          <p:cNvSpPr/>
+          <p:nvPr/>
+        </p:nvSpPr>
+        <p:spPr>
+          <a:xfrm>
+            <a:off x="3402565" y="2638605"/>
+            <a:ext cx="1119672" cy="652602"/>
+          </a:xfrm>
+          <a:prstGeom prst="roundRect">
+            <a:avLst/>
+          </a:prstGeom>
+          <a:noFill/>
+          <a:ln w="19050"/>
+        </p:spPr>
+        <p:style>
+          <a:lnRef idx="2">
+            <a:schemeClr val="accent1">
+              <a:shade val="50000"/>
+            </a:schemeClr>
+          </a:lnRef>
+          <a:fillRef idx="1">
+            <a:schemeClr val="accent1"/>
+          </a:fillRef>
+          <a:effectRef idx="0">
+            <a:schemeClr val="accent1"/>
+          </a:effectRef>
+          <a:fontRef idx="minor">
+            <a:schemeClr val="lt1"/>
+          </a:fontRef>
+        </p:style>
+        <p:txBody>
+          <a:bodyPr rtlCol="0" anchor="ctr"/>
+          <a:lstStyle/>
+          <a:p>
+            <a:pPr algn="ctr"/>
+            <a:r>
+              <a:rPr lang="en-US" dirty="0">
+                <a:solidFill>
+                  <a:schemeClr val="tx1"/>
+                </a:solidFill>
+              </a:rPr>
+              <a:t>Server Stream</a:t>
+            </a:r>
+          </a:p>
+        </p:txBody>
+      </p:sp>
+      <p:sp>
+        <p:nvSpPr>
+          <p:cNvPr id="15" name="Rectangle: Rounded Corners 14">
+            <a:extLst>
+              <a:ext uri="{FF2B5EF4-FFF2-40B4-BE49-F238E27FC236}">
+                <a16:creationId xmlns:a16="http://schemas.microsoft.com/office/drawing/2014/main" id="{B6DC9CA6-6123-4DEF-B1F4-A47E83ABEF55}"/>
+              </a:ext>
+            </a:extLst>
+          </p:cNvPr>
+          <p:cNvSpPr/>
+          <p:nvPr/>
+        </p:nvSpPr>
+        <p:spPr>
+          <a:xfrm>
+            <a:off x="5061859" y="3539093"/>
+            <a:ext cx="1119672" cy="652602"/>
+          </a:xfrm>
+          <a:prstGeom prst="roundRect">
+            <a:avLst/>
+          </a:prstGeom>
+          <a:noFill/>
+          <a:ln w="19050"/>
+        </p:spPr>
+        <p:style>
+          <a:lnRef idx="2">
+            <a:schemeClr val="accent1">
+              <a:shade val="50000"/>
+            </a:schemeClr>
+          </a:lnRef>
+          <a:fillRef idx="1">
+            <a:schemeClr val="accent1"/>
+          </a:fillRef>
+          <a:effectRef idx="0">
+            <a:schemeClr val="accent1"/>
+          </a:effectRef>
+          <a:fontRef idx="minor">
+            <a:schemeClr val="lt1"/>
+          </a:fontRef>
+        </p:style>
+        <p:txBody>
+          <a:bodyPr rtlCol="0" anchor="ctr"/>
+          <a:lstStyle/>
+          <a:p>
+            <a:pPr algn="ctr"/>
+            <a:r>
+              <a:rPr lang="en-US" dirty="0">
+                <a:solidFill>
+                  <a:schemeClr val="tx1"/>
+                </a:solidFill>
+              </a:rPr>
+              <a:t>Client Device</a:t>
+            </a:r>
+          </a:p>
+        </p:txBody>
+      </p:sp>
+      <p:cxnSp>
+        <p:nvCxnSpPr>
+          <p:cNvPr id="23" name="Connector: Elbow 22">
+            <a:extLst>
+              <a:ext uri="{FF2B5EF4-FFF2-40B4-BE49-F238E27FC236}">
+                <a16:creationId xmlns:a16="http://schemas.microsoft.com/office/drawing/2014/main" id="{4417EBD7-90BB-45D2-9D17-CC6AADAE44A0}"/>
+              </a:ext>
+            </a:extLst>
+          </p:cNvPr>
+          <p:cNvCxnSpPr>
+            <a:stCxn id="15" idx="3"/>
+            <a:endCxn id="12" idx="1"/>
+          </p:cNvCxnSpPr>
+          <p:nvPr/>
+        </p:nvCxnSpPr>
+        <p:spPr>
+          <a:xfrm flipV="1">
+            <a:off x="6181531" y="2691808"/>
+            <a:ext cx="695916" cy="1173586"/>
+          </a:xfrm>
+          <a:prstGeom prst="bentConnector3">
+            <a:avLst/>
+          </a:prstGeom>
+          <a:ln>
+            <a:tailEnd type="triangle"/>
+          </a:ln>
+        </p:spPr>
+        <p:style>
+          <a:lnRef idx="1">
+            <a:schemeClr val="accent1"/>
+          </a:lnRef>
+          <a:fillRef idx="0">
+            <a:schemeClr val="accent1"/>
+          </a:fillRef>
+          <a:effectRef idx="0">
+            <a:schemeClr val="accent1"/>
+          </a:effectRef>
+          <a:fontRef idx="minor">
+            <a:schemeClr val="tx1"/>
+          </a:fontRef>
+        </p:style>
+      </p:cxnSp>
+      <p:cxnSp>
+        <p:nvCxnSpPr>
+          <p:cNvPr id="25" name="Connector: Elbow 24">
+            <a:extLst>
+              <a:ext uri="{FF2B5EF4-FFF2-40B4-BE49-F238E27FC236}">
+                <a16:creationId xmlns:a16="http://schemas.microsoft.com/office/drawing/2014/main" id="{97CD80C7-C04E-4484-A3F9-22C0F4EB370E}"/>
+              </a:ext>
+            </a:extLst>
+          </p:cNvPr>
+          <p:cNvCxnSpPr>
+            <a:stCxn id="15" idx="3"/>
+            <a:endCxn id="7" idx="1"/>
+          </p:cNvCxnSpPr>
+          <p:nvPr/>
+        </p:nvCxnSpPr>
+        <p:spPr>
+          <a:xfrm flipV="1">
+            <a:off x="6181531" y="3139421"/>
+            <a:ext cx="695916" cy="725973"/>
+          </a:xfrm>
+          <a:prstGeom prst="bentConnector3">
+            <a:avLst/>
+          </a:prstGeom>
+          <a:ln>
+            <a:tailEnd type="triangle"/>
+          </a:ln>
+        </p:spPr>
+        <p:style>
+          <a:lnRef idx="1">
+            <a:schemeClr val="accent1"/>
+          </a:lnRef>
+          <a:fillRef idx="0">
+            <a:schemeClr val="accent1"/>
+          </a:fillRef>
+          <a:effectRef idx="0">
+            <a:schemeClr val="accent1"/>
+          </a:effectRef>
+          <a:fontRef idx="minor">
+            <a:schemeClr val="tx1"/>
+          </a:fontRef>
+        </p:style>
+      </p:cxnSp>
+      <p:cxnSp>
+        <p:nvCxnSpPr>
+          <p:cNvPr id="27" name="Connector: Elbow 26">
+            <a:extLst>
+              <a:ext uri="{FF2B5EF4-FFF2-40B4-BE49-F238E27FC236}">
+                <a16:creationId xmlns:a16="http://schemas.microsoft.com/office/drawing/2014/main" id="{F6BDA135-A04B-48EB-ABB7-5F6F9CEB6B2E}"/>
+              </a:ext>
+            </a:extLst>
+          </p:cNvPr>
+          <p:cNvCxnSpPr>
+            <a:stCxn id="15" idx="3"/>
+            <a:endCxn id="8" idx="1"/>
+          </p:cNvCxnSpPr>
+          <p:nvPr/>
+        </p:nvCxnSpPr>
+        <p:spPr>
+          <a:xfrm flipV="1">
+            <a:off x="6181531" y="3648881"/>
+            <a:ext cx="695916" cy="216513"/>
+          </a:xfrm>
+          <a:prstGeom prst="bentConnector3">
+            <a:avLst/>
+          </a:prstGeom>
+          <a:ln>
+            <a:tailEnd type="triangle"/>
+          </a:ln>
+        </p:spPr>
+        <p:style>
+          <a:lnRef idx="1">
+            <a:schemeClr val="accent1"/>
+          </a:lnRef>
+          <a:fillRef idx="0">
+            <a:schemeClr val="accent1"/>
+          </a:fillRef>
+          <a:effectRef idx="0">
+            <a:schemeClr val="accent1"/>
+          </a:effectRef>
+          <a:fontRef idx="minor">
+            <a:schemeClr val="tx1"/>
+          </a:fontRef>
+        </p:style>
+      </p:cxnSp>
+      <p:cxnSp>
+        <p:nvCxnSpPr>
+          <p:cNvPr id="29" name="Connector: Elbow 28">
+            <a:extLst>
+              <a:ext uri="{FF2B5EF4-FFF2-40B4-BE49-F238E27FC236}">
+                <a16:creationId xmlns:a16="http://schemas.microsoft.com/office/drawing/2014/main" id="{1F472384-6A0E-4B64-A40F-292232A46362}"/>
+              </a:ext>
+            </a:extLst>
+          </p:cNvPr>
+          <p:cNvCxnSpPr>
+            <a:stCxn id="15" idx="3"/>
+            <a:endCxn id="9" idx="1"/>
+          </p:cNvCxnSpPr>
+          <p:nvPr/>
+        </p:nvCxnSpPr>
+        <p:spPr>
+          <a:xfrm>
+            <a:off x="6181531" y="3865394"/>
+            <a:ext cx="695916" cy="326302"/>
+          </a:xfrm>
+          <a:prstGeom prst="bentConnector3">
+            <a:avLst/>
+          </a:prstGeom>
+          <a:ln>
+            <a:tailEnd type="triangle"/>
+          </a:ln>
+        </p:spPr>
+        <p:style>
+          <a:lnRef idx="1">
+            <a:schemeClr val="accent1"/>
+          </a:lnRef>
+          <a:fillRef idx="0">
+            <a:schemeClr val="accent1"/>
+          </a:fillRef>
+          <a:effectRef idx="0">
+            <a:schemeClr val="accent1"/>
+          </a:effectRef>
+          <a:fontRef idx="minor">
+            <a:schemeClr val="tx1"/>
+          </a:fontRef>
+        </p:style>
+      </p:cxnSp>
+      <p:cxnSp>
+        <p:nvCxnSpPr>
+          <p:cNvPr id="31" name="Connector: Elbow 30">
+            <a:extLst>
+              <a:ext uri="{FF2B5EF4-FFF2-40B4-BE49-F238E27FC236}">
+                <a16:creationId xmlns:a16="http://schemas.microsoft.com/office/drawing/2014/main" id="{6782C6DC-893F-4059-A75F-E0043B515F4A}"/>
+              </a:ext>
+            </a:extLst>
+          </p:cNvPr>
+          <p:cNvCxnSpPr>
+            <a:stCxn id="15" idx="3"/>
+            <a:endCxn id="10" idx="1"/>
+          </p:cNvCxnSpPr>
+          <p:nvPr/>
+        </p:nvCxnSpPr>
+        <p:spPr>
+          <a:xfrm>
+            <a:off x="6181531" y="3865394"/>
+            <a:ext cx="695916" cy="885704"/>
+          </a:xfrm>
+          <a:prstGeom prst="bentConnector3">
+            <a:avLst/>
+          </a:prstGeom>
+          <a:ln>
+            <a:tailEnd type="triangle"/>
+          </a:ln>
+        </p:spPr>
+        <p:style>
+          <a:lnRef idx="1">
+            <a:schemeClr val="accent1"/>
+          </a:lnRef>
+          <a:fillRef idx="0">
+            <a:schemeClr val="accent1"/>
+          </a:fillRef>
+          <a:effectRef idx="0">
+            <a:schemeClr val="accent1"/>
+          </a:effectRef>
+          <a:fontRef idx="minor">
+            <a:schemeClr val="tx1"/>
+          </a:fontRef>
+        </p:style>
+      </p:cxnSp>
+      <p:cxnSp>
+        <p:nvCxnSpPr>
+          <p:cNvPr id="33" name="Connector: Elbow 32">
+            <a:extLst>
+              <a:ext uri="{FF2B5EF4-FFF2-40B4-BE49-F238E27FC236}">
+                <a16:creationId xmlns:a16="http://schemas.microsoft.com/office/drawing/2014/main" id="{02D42C40-3BD8-4785-B2B5-F4225AAC602C}"/>
+              </a:ext>
+            </a:extLst>
+          </p:cNvPr>
+          <p:cNvCxnSpPr>
+            <a:stCxn id="15" idx="3"/>
+            <a:endCxn id="11" idx="1"/>
+          </p:cNvCxnSpPr>
+          <p:nvPr/>
+        </p:nvCxnSpPr>
+        <p:spPr>
+          <a:xfrm>
+            <a:off x="6181531" y="3865394"/>
+            <a:ext cx="695916" cy="1361905"/>
+          </a:xfrm>
+          <a:prstGeom prst="bentConnector3">
+            <a:avLst/>
+          </a:prstGeom>
+          <a:ln>
+            <a:tailEnd type="triangle"/>
+          </a:ln>
+        </p:spPr>
+        <p:style>
+          <a:lnRef idx="1">
+            <a:schemeClr val="accent1"/>
+          </a:lnRef>
+          <a:fillRef idx="0">
+            <a:schemeClr val="accent1"/>
+          </a:fillRef>
+          <a:effectRef idx="0">
+            <a:schemeClr val="accent1"/>
+          </a:effectRef>
+          <a:fontRef idx="minor">
+            <a:schemeClr val="tx1"/>
+          </a:fontRef>
+        </p:style>
+      </p:cxnSp>
+      <p:sp>
+        <p:nvSpPr>
+          <p:cNvPr id="36" name="Rectangle: Rounded Corners 35">
+            <a:extLst>
+              <a:ext uri="{FF2B5EF4-FFF2-40B4-BE49-F238E27FC236}">
+                <a16:creationId xmlns:a16="http://schemas.microsoft.com/office/drawing/2014/main" id="{833AAAA8-EB6C-4CBC-9438-59D09CC4ABAD}"/>
+              </a:ext>
+            </a:extLst>
+          </p:cNvPr>
+          <p:cNvSpPr/>
+          <p:nvPr/>
+        </p:nvSpPr>
+        <p:spPr>
+          <a:xfrm>
+            <a:off x="3365240" y="3537950"/>
+            <a:ext cx="1197427" cy="652602"/>
+          </a:xfrm>
+          <a:prstGeom prst="roundRect">
+            <a:avLst/>
+          </a:prstGeom>
+          <a:noFill/>
+          <a:ln w="19050"/>
+        </p:spPr>
+        <p:style>
+          <a:lnRef idx="2">
+            <a:schemeClr val="accent1">
+              <a:shade val="50000"/>
+            </a:schemeClr>
+          </a:lnRef>
+          <a:fillRef idx="1">
+            <a:schemeClr val="accent1"/>
+          </a:fillRef>
+          <a:effectRef idx="0">
+            <a:schemeClr val="accent1"/>
+          </a:effectRef>
+          <a:fontRef idx="minor">
+            <a:schemeClr val="lt1"/>
+          </a:fontRef>
+        </p:style>
+        <p:txBody>
+          <a:bodyPr rtlCol="0" anchor="ctr"/>
+          <a:lstStyle/>
+          <a:p>
+            <a:pPr algn="ctr"/>
+            <a:r>
+              <a:rPr lang="en-US" dirty="0">
+                <a:solidFill>
+                  <a:schemeClr val="tx1"/>
+                </a:solidFill>
+              </a:rPr>
+              <a:t>Controller</a:t>
+            </a:r>
+          </a:p>
+        </p:txBody>
+      </p:sp>
+      <p:cxnSp>
+        <p:nvCxnSpPr>
+          <p:cNvPr id="38" name="Connector: Elbow 37">
+            <a:extLst>
+              <a:ext uri="{FF2B5EF4-FFF2-40B4-BE49-F238E27FC236}">
+                <a16:creationId xmlns:a16="http://schemas.microsoft.com/office/drawing/2014/main" id="{FF04973B-F3A6-4BCA-950C-09B8093C3C17}"/>
+              </a:ext>
+            </a:extLst>
+          </p:cNvPr>
+          <p:cNvCxnSpPr>
+            <a:cxnSpLocks/>
+            <a:stCxn id="36" idx="3"/>
+            <a:endCxn id="15" idx="1"/>
+          </p:cNvCxnSpPr>
+          <p:nvPr/>
+        </p:nvCxnSpPr>
+        <p:spPr>
+          <a:xfrm>
+            <a:off x="4562667" y="3864251"/>
+            <a:ext cx="499192" cy="1143"/>
+          </a:xfrm>
+          <a:prstGeom prst="bentConnector3">
+            <a:avLst/>
+          </a:prstGeom>
+          <a:ln>
+            <a:tailEnd type="triangle"/>
+          </a:ln>
+        </p:spPr>
+        <p:style>
+          <a:lnRef idx="1">
+            <a:schemeClr val="accent1"/>
+          </a:lnRef>
+          <a:fillRef idx="0">
+            <a:schemeClr val="accent1"/>
+          </a:fillRef>
+          <a:effectRef idx="0">
+            <a:schemeClr val="accent1"/>
+          </a:effectRef>
+          <a:fontRef idx="minor">
+            <a:schemeClr val="tx1"/>
+          </a:fontRef>
+        </p:style>
+      </p:cxnSp>
+      <p:cxnSp>
+        <p:nvCxnSpPr>
+          <p:cNvPr id="40" name="Straight Arrow Connector 39">
+            <a:extLst>
+              <a:ext uri="{FF2B5EF4-FFF2-40B4-BE49-F238E27FC236}">
+                <a16:creationId xmlns:a16="http://schemas.microsoft.com/office/drawing/2014/main" id="{199C6F0E-454A-4296-82B0-55F5CD9F7EF4}"/>
+              </a:ext>
+            </a:extLst>
+          </p:cNvPr>
+          <p:cNvCxnSpPr>
+            <a:cxnSpLocks/>
+            <a:stCxn id="36" idx="0"/>
+            <a:endCxn id="14" idx="2"/>
+          </p:cNvCxnSpPr>
+          <p:nvPr/>
+        </p:nvCxnSpPr>
+        <p:spPr>
+          <a:xfrm flipH="1" flipV="1">
+            <a:off x="3962401" y="3291207"/>
+            <a:ext cx="1553" cy="246743"/>
+          </a:xfrm>
+          <a:prstGeom prst="straightConnector1">
+            <a:avLst/>
+          </a:prstGeom>
+          <a:ln>
+            <a:tailEnd type="triangle"/>
+          </a:ln>
+        </p:spPr>
+        <p:style>
+          <a:lnRef idx="1">
+            <a:schemeClr val="accent1"/>
+          </a:lnRef>
+          <a:fillRef idx="0">
+            <a:schemeClr val="accent1"/>
+          </a:fillRef>
+          <a:effectRef idx="0">
+            <a:schemeClr val="accent1"/>
+          </a:effectRef>
+          <a:fontRef idx="minor">
+            <a:schemeClr val="tx1"/>
+          </a:fontRef>
+        </p:style>
+      </p:cxnSp>
+      <p:cxnSp>
+        <p:nvCxnSpPr>
+          <p:cNvPr id="42" name="Connector: Elbow 41">
+            <a:extLst>
+              <a:ext uri="{FF2B5EF4-FFF2-40B4-BE49-F238E27FC236}">
+                <a16:creationId xmlns:a16="http://schemas.microsoft.com/office/drawing/2014/main" id="{F9462EBB-4ACF-4AC0-960E-CD4A1ECBCA87}"/>
+              </a:ext>
+            </a:extLst>
+          </p:cNvPr>
+          <p:cNvCxnSpPr>
+            <a:cxnSpLocks/>
+            <a:stCxn id="36" idx="2"/>
+            <a:endCxn id="13" idx="0"/>
+          </p:cNvCxnSpPr>
+          <p:nvPr/>
+        </p:nvCxnSpPr>
+        <p:spPr>
+          <a:xfrm rot="5400000">
+            <a:off x="3839807" y="4313147"/>
+            <a:ext cx="246743" cy="1553"/>
+          </a:xfrm>
+          <a:prstGeom prst="bentConnector3">
+            <a:avLst/>
+          </a:prstGeom>
+          <a:ln>
+            <a:tailEnd type="triangle"/>
+          </a:ln>
+        </p:spPr>
+        <p:style>
+          <a:lnRef idx="1">
+            <a:schemeClr val="accent1"/>
+          </a:lnRef>
+          <a:fillRef idx="0">
+            <a:schemeClr val="accent1"/>
+          </a:fillRef>
+          <a:effectRef idx="0">
+            <a:schemeClr val="accent1"/>
+          </a:effectRef>
+          <a:fontRef idx="minor">
+            <a:schemeClr val="tx1"/>
+          </a:fontRef>
+        </p:style>
+      </p:cxnSp>
+      <p:sp>
+        <p:nvSpPr>
+          <p:cNvPr id="44" name="Oval 43">
+            <a:extLst>
+              <a:ext uri="{FF2B5EF4-FFF2-40B4-BE49-F238E27FC236}">
+                <a16:creationId xmlns:a16="http://schemas.microsoft.com/office/drawing/2014/main" id="{3A72AE34-F8A4-498B-A222-5C2D9E1228EC}"/>
+              </a:ext>
+            </a:extLst>
+          </p:cNvPr>
+          <p:cNvSpPr/>
+          <p:nvPr/>
+        </p:nvSpPr>
+        <p:spPr>
+          <a:xfrm>
+            <a:off x="399128" y="1890835"/>
+            <a:ext cx="1973179" cy="914400"/>
+          </a:xfrm>
+          <a:prstGeom prst="ellipse">
+            <a:avLst/>
+          </a:prstGeom>
+          <a:noFill/>
+          <a:ln w="19050">
+            <a:solidFill>
+              <a:srgbClr val="002060"/>
+            </a:solidFill>
+          </a:ln>
+        </p:spPr>
+        <p:style>
+          <a:lnRef idx="2">
+            <a:schemeClr val="accent1">
+              <a:shade val="50000"/>
+            </a:schemeClr>
+          </a:lnRef>
+          <a:fillRef idx="1">
+            <a:schemeClr val="accent1"/>
+          </a:fillRef>
+          <a:effectRef idx="0">
+            <a:schemeClr val="accent1"/>
+          </a:effectRef>
+          <a:fontRef idx="minor">
+            <a:schemeClr val="lt1"/>
+          </a:fontRef>
+        </p:style>
+        <p:txBody>
+          <a:bodyPr rtlCol="0" anchor="ctr"/>
+          <a:lstStyle/>
+          <a:p>
+            <a:pPr algn="ctr"/>
+            <a:r>
+              <a:rPr lang="en-US" dirty="0">
+                <a:solidFill>
+                  <a:schemeClr val="tx1"/>
+                </a:solidFill>
+              </a:rPr>
+              <a:t>Server</a:t>
+            </a:r>
+          </a:p>
+        </p:txBody>
+      </p:sp>
+      <p:sp>
+        <p:nvSpPr>
+          <p:cNvPr id="45" name="Oval 44">
+            <a:extLst>
+              <a:ext uri="{FF2B5EF4-FFF2-40B4-BE49-F238E27FC236}">
+                <a16:creationId xmlns:a16="http://schemas.microsoft.com/office/drawing/2014/main" id="{3D62A108-4F3C-4290-BAA5-5F3A19E51C34}"/>
+              </a:ext>
+            </a:extLst>
+          </p:cNvPr>
+          <p:cNvSpPr/>
+          <p:nvPr/>
+        </p:nvSpPr>
+        <p:spPr>
+          <a:xfrm>
+            <a:off x="399129" y="3136924"/>
+            <a:ext cx="1973179" cy="914400"/>
+          </a:xfrm>
+          <a:prstGeom prst="ellipse">
+            <a:avLst/>
+          </a:prstGeom>
+          <a:noFill/>
+          <a:ln w="19050">
+            <a:solidFill>
+              <a:srgbClr val="002060"/>
+            </a:solidFill>
+          </a:ln>
+        </p:spPr>
+        <p:style>
+          <a:lnRef idx="2">
+            <a:schemeClr val="accent1">
+              <a:shade val="50000"/>
+            </a:schemeClr>
+          </a:lnRef>
+          <a:fillRef idx="1">
+            <a:schemeClr val="accent1"/>
+          </a:fillRef>
+          <a:effectRef idx="0">
+            <a:schemeClr val="accent1"/>
+          </a:effectRef>
+          <a:fontRef idx="minor">
+            <a:schemeClr val="lt1"/>
+          </a:fontRef>
+        </p:style>
+        <p:txBody>
+          <a:bodyPr rtlCol="0" anchor="ctr"/>
+          <a:lstStyle/>
+          <a:p>
+            <a:pPr algn="ctr"/>
+            <a:r>
+              <a:rPr lang="en-US" dirty="0" err="1">
+                <a:solidFill>
+                  <a:schemeClr val="tx1"/>
+                </a:solidFill>
+              </a:rPr>
+              <a:t>App,Phone</a:t>
+            </a:r>
+            <a:r>
+              <a:rPr lang="en-US" dirty="0">
+                <a:solidFill>
+                  <a:schemeClr val="tx1"/>
+                </a:solidFill>
+              </a:rPr>
+              <a:t> device</a:t>
+            </a:r>
+          </a:p>
+        </p:txBody>
+      </p:sp>
+      <p:cxnSp>
+        <p:nvCxnSpPr>
+          <p:cNvPr id="47" name="Connector: Elbow 46">
+            <a:extLst>
+              <a:ext uri="{FF2B5EF4-FFF2-40B4-BE49-F238E27FC236}">
+                <a16:creationId xmlns:a16="http://schemas.microsoft.com/office/drawing/2014/main" id="{9584DA05-BA35-45E7-B8CF-54EF4DE210CB}"/>
+              </a:ext>
+            </a:extLst>
+          </p:cNvPr>
+          <p:cNvCxnSpPr>
+            <a:stCxn id="14" idx="1"/>
+            <a:endCxn id="44" idx="4"/>
+          </p:cNvCxnSpPr>
+          <p:nvPr/>
+        </p:nvCxnSpPr>
+        <p:spPr>
+          <a:xfrm rot="10800000">
+            <a:off x="1385719" y="2805236"/>
+            <a:ext cx="2016847" cy="159671"/>
+          </a:xfrm>
+          <a:prstGeom prst="bentConnector2">
+            <a:avLst/>
+          </a:prstGeom>
+          <a:ln>
+            <a:tailEnd type="triangle"/>
+          </a:ln>
+        </p:spPr>
+        <p:style>
+          <a:lnRef idx="1">
+            <a:schemeClr val="accent1"/>
+          </a:lnRef>
+          <a:fillRef idx="0">
+            <a:schemeClr val="accent1"/>
+          </a:fillRef>
+          <a:effectRef idx="0">
+            <a:schemeClr val="accent1"/>
+          </a:effectRef>
+          <a:fontRef idx="minor">
+            <a:schemeClr val="tx1"/>
+          </a:fontRef>
+        </p:style>
+      </p:cxnSp>
+      <p:cxnSp>
+        <p:nvCxnSpPr>
+          <p:cNvPr id="49" name="Connector: Elbow 48">
+            <a:extLst>
+              <a:ext uri="{FF2B5EF4-FFF2-40B4-BE49-F238E27FC236}">
+                <a16:creationId xmlns:a16="http://schemas.microsoft.com/office/drawing/2014/main" id="{D2AA35F0-9BDE-40AB-94B1-9CE48CB20E54}"/>
+              </a:ext>
+            </a:extLst>
+          </p:cNvPr>
+          <p:cNvCxnSpPr>
+            <a:stCxn id="14" idx="1"/>
+            <a:endCxn id="45" idx="0"/>
+          </p:cNvCxnSpPr>
+          <p:nvPr/>
+        </p:nvCxnSpPr>
+        <p:spPr>
+          <a:xfrm rot="10800000" flipV="1">
+            <a:off x="1385719" y="2964906"/>
+            <a:ext cx="2016846" cy="172018"/>
+          </a:xfrm>
+          <a:prstGeom prst="bentConnector2">
+            <a:avLst/>
+          </a:prstGeom>
+          <a:ln>
+            <a:tailEnd type="triangle"/>
+          </a:ln>
+        </p:spPr>
+        <p:style>
+          <a:lnRef idx="1">
+            <a:schemeClr val="accent1"/>
+          </a:lnRef>
+          <a:fillRef idx="0">
+            <a:schemeClr val="accent1"/>
+          </a:fillRef>
+          <a:effectRef idx="0">
+            <a:schemeClr val="accent1"/>
+          </a:effectRef>
+          <a:fontRef idx="minor">
+            <a:schemeClr val="tx1"/>
+          </a:fontRef>
+        </p:style>
+      </p:cxnSp>
+      <p:sp>
+        <p:nvSpPr>
+          <p:cNvPr id="59" name="Flowchart: Magnetic Disk 58">
+            <a:extLst>
+              <a:ext uri="{FF2B5EF4-FFF2-40B4-BE49-F238E27FC236}">
+                <a16:creationId xmlns:a16="http://schemas.microsoft.com/office/drawing/2014/main" id="{360D70D7-FA15-467A-AFC7-2C9686D92DF8}"/>
+              </a:ext>
+            </a:extLst>
+          </p:cNvPr>
+          <p:cNvSpPr/>
+          <p:nvPr/>
+        </p:nvSpPr>
+        <p:spPr>
+          <a:xfrm>
+            <a:off x="5096070" y="2503489"/>
+            <a:ext cx="999930" cy="755135"/>
+          </a:xfrm>
+          <a:prstGeom prst="flowChartMagneticDisk">
+            <a:avLst/>
+          </a:prstGeom>
+          <a:noFill/>
+          <a:ln w="19050"/>
+        </p:spPr>
+        <p:style>
+          <a:lnRef idx="2">
+            <a:schemeClr val="accent1">
+              <a:shade val="50000"/>
+            </a:schemeClr>
+          </a:lnRef>
+          <a:fillRef idx="1">
+            <a:schemeClr val="accent1"/>
+          </a:fillRef>
+          <a:effectRef idx="0">
+            <a:schemeClr val="accent1"/>
+          </a:effectRef>
+          <a:fontRef idx="minor">
+            <a:schemeClr val="lt1"/>
+          </a:fontRef>
+        </p:style>
+        <p:txBody>
+          <a:bodyPr rtlCol="0" anchor="ctr"/>
+          <a:lstStyle/>
+          <a:p>
+            <a:pPr algn="ctr"/>
+            <a:r>
+              <a:rPr lang="en-US" dirty="0" err="1">
+                <a:solidFill>
+                  <a:schemeClr val="tx1"/>
+                </a:solidFill>
+              </a:rPr>
+              <a:t>Store&amp;DB</a:t>
+            </a:r>
+            <a:endParaRPr lang="en-US" dirty="0">
+              <a:solidFill>
+                <a:schemeClr val="tx1"/>
+              </a:solidFill>
+            </a:endParaRPr>
+          </a:p>
+        </p:txBody>
+      </p:sp>
+      <p:cxnSp>
+        <p:nvCxnSpPr>
+          <p:cNvPr id="61" name="Connector: Elbow 60">
+            <a:extLst>
+              <a:ext uri="{FF2B5EF4-FFF2-40B4-BE49-F238E27FC236}">
+                <a16:creationId xmlns:a16="http://schemas.microsoft.com/office/drawing/2014/main" id="{69FE8473-5B30-4E78-AEB2-23876C1B61AD}"/>
+              </a:ext>
+            </a:extLst>
+          </p:cNvPr>
+          <p:cNvCxnSpPr>
+            <a:stCxn id="59" idx="2"/>
+            <a:endCxn id="36" idx="3"/>
+          </p:cNvCxnSpPr>
+          <p:nvPr/>
+        </p:nvCxnSpPr>
+        <p:spPr>
+          <a:xfrm rot="10800000" flipV="1">
+            <a:off x="4562668" y="2881057"/>
+            <a:ext cx="533403" cy="983194"/>
+          </a:xfrm>
+          <a:prstGeom prst="bentConnector3">
+            <a:avLst/>
+          </a:prstGeom>
+          <a:ln>
+            <a:tailEnd type="triangle"/>
+          </a:ln>
+        </p:spPr>
+        <p:style>
+          <a:lnRef idx="1">
+            <a:schemeClr val="accent1"/>
+          </a:lnRef>
+          <a:fillRef idx="0">
+            <a:schemeClr val="accent1"/>
+          </a:fillRef>
+          <a:effectRef idx="0">
+            <a:schemeClr val="accent1"/>
+          </a:effectRef>
+          <a:fontRef idx="minor">
+            <a:schemeClr val="tx1"/>
+          </a:fontRef>
+        </p:style>
+      </p:cxnSp>
     </p:spTree>
     <p:extLst>
       <p:ext uri="{BB962C8B-B14F-4D97-AF65-F5344CB8AC3E}">
         <p14:creationId xmlns:p14="http://schemas.microsoft.com/office/powerpoint/2010/main" val="2371369395"/>
+      </p:ext>
+    </p:extLst>
+  </p:cSld>
+  <p:clrMapOvr>
+    <a:masterClrMapping/>
+  </p:clrMapOvr>
+</p:sld>
+</file>
+
+<file path=ppt/slides/slide5.xml><?xml version="1.0" encoding="utf-8"?>
+<p:sld xmlns:a="http://schemas.openxmlformats.org/drawingml/2006/main" xmlns:r="http://schemas.openxmlformats.org/officeDocument/2006/relationships" xmlns:p="http://schemas.openxmlformats.org/presentationml/2006/main">
+  <p:cSld>
+    <p:spTree>
+      <p:nvGrpSpPr>
+        <p:cNvPr id="1" name=""/>
+        <p:cNvGrpSpPr/>
+        <p:nvPr/>
+      </p:nvGrpSpPr>
+      <p:grpSpPr>
+        <a:xfrm>
+          <a:off x="0" y="0"/>
+          <a:ext cx="0" cy="0"/>
+          <a:chOff x="0" y="0"/>
+          <a:chExt cx="0" cy="0"/>
+        </a:xfrm>
+      </p:grpSpPr>
+      <p:sp>
+        <p:nvSpPr>
+          <p:cNvPr id="2" name="Title 1">
+            <a:extLst>
+              <a:ext uri="{FF2B5EF4-FFF2-40B4-BE49-F238E27FC236}">
+                <a16:creationId xmlns:a16="http://schemas.microsoft.com/office/drawing/2014/main" id="{2A5FC4EE-215E-48B9-A295-C8FDC7B3562F}"/>
+              </a:ext>
+            </a:extLst>
+          </p:cNvPr>
+          <p:cNvSpPr>
+            <a:spLocks noGrp="1"/>
+          </p:cNvSpPr>
+          <p:nvPr>
+            <p:ph type="title"/>
+          </p:nvPr>
+        </p:nvSpPr>
+        <p:spPr>
+          <a:xfrm>
+            <a:off x="838200" y="365125"/>
+            <a:ext cx="10515600" cy="504647"/>
+          </a:xfrm>
+        </p:spPr>
+        <p:txBody>
+          <a:bodyPr>
+            <a:normAutofit fontScale="90000"/>
+          </a:bodyPr>
+          <a:lstStyle/>
+          <a:p>
+            <a:r>
+              <a:rPr lang="en-US" dirty="0"/>
+              <a:t>Server</a:t>
+            </a:r>
+          </a:p>
+        </p:txBody>
+      </p:sp>
+      <p:sp>
+        <p:nvSpPr>
+          <p:cNvPr id="8" name="Content Placeholder 3">
+            <a:extLst>
+              <a:ext uri="{FF2B5EF4-FFF2-40B4-BE49-F238E27FC236}">
+                <a16:creationId xmlns:a16="http://schemas.microsoft.com/office/drawing/2014/main" id="{68FDDF55-E9FE-406D-989A-B541FE6BD182}"/>
+              </a:ext>
+            </a:extLst>
+          </p:cNvPr>
+          <p:cNvSpPr>
+            <a:spLocks noGrp="1"/>
+          </p:cNvSpPr>
+          <p:nvPr>
+            <p:ph idx="1"/>
+          </p:nvPr>
+        </p:nvSpPr>
+        <p:spPr>
+          <a:xfrm>
+            <a:off x="3396343" y="1520890"/>
+            <a:ext cx="5477070" cy="4161453"/>
+          </a:xfrm>
+          <a:prstGeom prst="rect">
+            <a:avLst/>
+          </a:prstGeom>
+          <a:noFill/>
+          <a:ln w="19050"/>
+        </p:spPr>
+        <p:style>
+          <a:lnRef idx="2">
+            <a:schemeClr val="accent1">
+              <a:shade val="50000"/>
+            </a:schemeClr>
+          </a:lnRef>
+          <a:fillRef idx="1">
+            <a:schemeClr val="accent1"/>
+          </a:fillRef>
+          <a:effectRef idx="0">
+            <a:schemeClr val="accent1"/>
+          </a:effectRef>
+          <a:fontRef idx="minor">
+            <a:schemeClr val="lt1"/>
+          </a:fontRef>
+        </p:style>
+        <p:txBody>
+          <a:bodyPr rtlCol="0" anchor="t" anchorCtr="0"/>
+          <a:lstStyle/>
+          <a:p>
+            <a:pPr marL="0" indent="0" algn="ctr">
+              <a:buNone/>
+            </a:pPr>
+            <a:r>
+              <a:rPr lang="en-US" dirty="0">
+                <a:solidFill>
+                  <a:schemeClr val="tx1"/>
+                </a:solidFill>
+              </a:rPr>
+              <a:t>Server</a:t>
+            </a:r>
+          </a:p>
+        </p:txBody>
+      </p:sp>
+      <p:sp>
+        <p:nvSpPr>
+          <p:cNvPr id="9" name="Rectangle: Rounded Corners 8">
+            <a:extLst>
+              <a:ext uri="{FF2B5EF4-FFF2-40B4-BE49-F238E27FC236}">
+                <a16:creationId xmlns:a16="http://schemas.microsoft.com/office/drawing/2014/main" id="{680FCDFA-483C-4969-BF99-6617450F85D1}"/>
+              </a:ext>
+            </a:extLst>
+          </p:cNvPr>
+          <p:cNvSpPr/>
+          <p:nvPr/>
+        </p:nvSpPr>
+        <p:spPr>
+          <a:xfrm>
+            <a:off x="4977879" y="3184183"/>
+            <a:ext cx="1687290" cy="807715"/>
+          </a:xfrm>
+          <a:prstGeom prst="roundRect">
+            <a:avLst/>
+          </a:prstGeom>
+          <a:noFill/>
+          <a:ln w="19050"/>
+        </p:spPr>
+        <p:style>
+          <a:lnRef idx="2">
+            <a:schemeClr val="accent1">
+              <a:shade val="50000"/>
+            </a:schemeClr>
+          </a:lnRef>
+          <a:fillRef idx="1">
+            <a:schemeClr val="accent1"/>
+          </a:fillRef>
+          <a:effectRef idx="0">
+            <a:schemeClr val="accent1"/>
+          </a:effectRef>
+          <a:fontRef idx="minor">
+            <a:schemeClr val="lt1"/>
+          </a:fontRef>
+        </p:style>
+        <p:txBody>
+          <a:bodyPr rtlCol="0" anchor="t" anchorCtr="0"/>
+          <a:lstStyle/>
+          <a:p>
+            <a:pPr algn="ctr"/>
+            <a:r>
+              <a:rPr lang="en-US" dirty="0">
+                <a:solidFill>
+                  <a:schemeClr val="tx1"/>
+                </a:solidFill>
+              </a:rPr>
+              <a:t>Controller</a:t>
+            </a:r>
+          </a:p>
+        </p:txBody>
+      </p:sp>
+      <p:sp>
+        <p:nvSpPr>
+          <p:cNvPr id="10" name="Rectangle: Rounded Corners 9">
+            <a:extLst>
+              <a:ext uri="{FF2B5EF4-FFF2-40B4-BE49-F238E27FC236}">
+                <a16:creationId xmlns:a16="http://schemas.microsoft.com/office/drawing/2014/main" id="{1597FB9B-A620-4592-B9A5-3E7F7DBA09E7}"/>
+              </a:ext>
+            </a:extLst>
+          </p:cNvPr>
+          <p:cNvSpPr/>
+          <p:nvPr/>
+        </p:nvSpPr>
+        <p:spPr>
+          <a:xfrm>
+            <a:off x="3565849" y="3259138"/>
+            <a:ext cx="1119672" cy="652602"/>
+          </a:xfrm>
+          <a:prstGeom prst="roundRect">
+            <a:avLst/>
+          </a:prstGeom>
+          <a:noFill/>
+          <a:ln w="19050"/>
+        </p:spPr>
+        <p:style>
+          <a:lnRef idx="2">
+            <a:schemeClr val="accent1">
+              <a:shade val="50000"/>
+            </a:schemeClr>
+          </a:lnRef>
+          <a:fillRef idx="1">
+            <a:schemeClr val="accent1"/>
+          </a:fillRef>
+          <a:effectRef idx="0">
+            <a:schemeClr val="accent1"/>
+          </a:effectRef>
+          <a:fontRef idx="minor">
+            <a:schemeClr val="lt1"/>
+          </a:fontRef>
+        </p:style>
+        <p:txBody>
+          <a:bodyPr rtlCol="0" anchor="ctr"/>
+          <a:lstStyle/>
+          <a:p>
+            <a:pPr algn="ctr"/>
+            <a:r>
+              <a:rPr lang="en-US" dirty="0">
+                <a:solidFill>
+                  <a:schemeClr val="tx1"/>
+                </a:solidFill>
+              </a:rPr>
+              <a:t>Client Stream</a:t>
+            </a:r>
+          </a:p>
+        </p:txBody>
+      </p:sp>
+      <p:sp>
+        <p:nvSpPr>
+          <p:cNvPr id="12" name="Flowchart: Magnetic Disk 11">
+            <a:extLst>
+              <a:ext uri="{FF2B5EF4-FFF2-40B4-BE49-F238E27FC236}">
+                <a16:creationId xmlns:a16="http://schemas.microsoft.com/office/drawing/2014/main" id="{7349F723-220F-45FF-8AF7-49262A982E16}"/>
+              </a:ext>
+            </a:extLst>
+          </p:cNvPr>
+          <p:cNvSpPr/>
+          <p:nvPr/>
+        </p:nvSpPr>
+        <p:spPr>
+          <a:xfrm>
+            <a:off x="5321559" y="4509786"/>
+            <a:ext cx="999930" cy="755135"/>
+          </a:xfrm>
+          <a:prstGeom prst="flowChartMagneticDisk">
+            <a:avLst/>
+          </a:prstGeom>
+          <a:noFill/>
+          <a:ln w="19050"/>
+        </p:spPr>
+        <p:style>
+          <a:lnRef idx="2">
+            <a:schemeClr val="accent1">
+              <a:shade val="50000"/>
+            </a:schemeClr>
+          </a:lnRef>
+          <a:fillRef idx="1">
+            <a:schemeClr val="accent1"/>
+          </a:fillRef>
+          <a:effectRef idx="0">
+            <a:schemeClr val="accent1"/>
+          </a:effectRef>
+          <a:fontRef idx="minor">
+            <a:schemeClr val="lt1"/>
+          </a:fontRef>
+        </p:style>
+        <p:txBody>
+          <a:bodyPr rtlCol="0" anchor="ctr"/>
+          <a:lstStyle/>
+          <a:p>
+            <a:pPr algn="ctr"/>
+            <a:r>
+              <a:rPr lang="en-US" dirty="0" err="1">
+                <a:solidFill>
+                  <a:schemeClr val="tx1"/>
+                </a:solidFill>
+              </a:rPr>
+              <a:t>Store&amp;DB</a:t>
+            </a:r>
+            <a:endParaRPr lang="en-US" dirty="0">
+              <a:solidFill>
+                <a:schemeClr val="tx1"/>
+              </a:solidFill>
+            </a:endParaRPr>
+          </a:p>
+        </p:txBody>
+      </p:sp>
+      <p:sp>
+        <p:nvSpPr>
+          <p:cNvPr id="14" name="Rectangle: Rounded Corners 13">
+            <a:extLst>
+              <a:ext uri="{FF2B5EF4-FFF2-40B4-BE49-F238E27FC236}">
+                <a16:creationId xmlns:a16="http://schemas.microsoft.com/office/drawing/2014/main" id="{2B9C9BAA-566A-4BC7-AEC1-0DDE6DC9AD16}"/>
+              </a:ext>
+            </a:extLst>
+          </p:cNvPr>
+          <p:cNvSpPr/>
+          <p:nvPr/>
+        </p:nvSpPr>
+        <p:spPr>
+          <a:xfrm>
+            <a:off x="5201816" y="2013693"/>
+            <a:ext cx="1239416" cy="652602"/>
+          </a:xfrm>
+          <a:prstGeom prst="roundRect">
+            <a:avLst/>
+          </a:prstGeom>
+          <a:noFill/>
+          <a:ln w="19050"/>
+        </p:spPr>
+        <p:style>
+          <a:lnRef idx="2">
+            <a:schemeClr val="accent1">
+              <a:shade val="50000"/>
+            </a:schemeClr>
+          </a:lnRef>
+          <a:fillRef idx="1">
+            <a:schemeClr val="accent1"/>
+          </a:fillRef>
+          <a:effectRef idx="0">
+            <a:schemeClr val="accent1"/>
+          </a:effectRef>
+          <a:fontRef idx="minor">
+            <a:schemeClr val="lt1"/>
+          </a:fontRef>
+        </p:style>
+        <p:txBody>
+          <a:bodyPr rtlCol="0" anchor="ctr"/>
+          <a:lstStyle/>
+          <a:p>
+            <a:pPr algn="ctr"/>
+            <a:r>
+              <a:rPr lang="en-US" dirty="0">
+                <a:solidFill>
+                  <a:schemeClr val="tx1"/>
+                </a:solidFill>
+              </a:rPr>
+              <a:t>Connector</a:t>
+            </a:r>
+          </a:p>
+        </p:txBody>
+      </p:sp>
+      <p:sp>
+        <p:nvSpPr>
+          <p:cNvPr id="15" name="Oval 14">
+            <a:extLst>
+              <a:ext uri="{FF2B5EF4-FFF2-40B4-BE49-F238E27FC236}">
+                <a16:creationId xmlns:a16="http://schemas.microsoft.com/office/drawing/2014/main" id="{74D46CA1-A754-4B48-91DC-CB9D7879689D}"/>
+              </a:ext>
+            </a:extLst>
+          </p:cNvPr>
+          <p:cNvSpPr/>
+          <p:nvPr/>
+        </p:nvSpPr>
+        <p:spPr>
+          <a:xfrm>
+            <a:off x="982822" y="1882794"/>
+            <a:ext cx="1973179" cy="914400"/>
+          </a:xfrm>
+          <a:prstGeom prst="ellipse">
+            <a:avLst/>
+          </a:prstGeom>
+          <a:noFill/>
+          <a:ln w="19050">
+            <a:solidFill>
+              <a:srgbClr val="002060"/>
+            </a:solidFill>
+          </a:ln>
+        </p:spPr>
+        <p:style>
+          <a:lnRef idx="2">
+            <a:schemeClr val="accent1">
+              <a:shade val="50000"/>
+            </a:schemeClr>
+          </a:lnRef>
+          <a:fillRef idx="1">
+            <a:schemeClr val="accent1"/>
+          </a:fillRef>
+          <a:effectRef idx="0">
+            <a:schemeClr val="accent1"/>
+          </a:effectRef>
+          <a:fontRef idx="minor">
+            <a:schemeClr val="lt1"/>
+          </a:fontRef>
+        </p:style>
+        <p:txBody>
+          <a:bodyPr rtlCol="0" anchor="ctr"/>
+          <a:lstStyle/>
+          <a:p>
+            <a:pPr algn="ctr"/>
+            <a:r>
+              <a:rPr lang="en-US" dirty="0" err="1">
+                <a:solidFill>
+                  <a:schemeClr val="tx1"/>
+                </a:solidFill>
+              </a:rPr>
+              <a:t>Verhicle</a:t>
+            </a:r>
+            <a:r>
+              <a:rPr lang="en-US" dirty="0">
+                <a:solidFill>
+                  <a:schemeClr val="tx1"/>
+                </a:solidFill>
+              </a:rPr>
+              <a:t> Device</a:t>
+            </a:r>
+          </a:p>
+        </p:txBody>
+      </p:sp>
+      <p:sp>
+        <p:nvSpPr>
+          <p:cNvPr id="16" name="Oval 15">
+            <a:extLst>
+              <a:ext uri="{FF2B5EF4-FFF2-40B4-BE49-F238E27FC236}">
+                <a16:creationId xmlns:a16="http://schemas.microsoft.com/office/drawing/2014/main" id="{15AC971F-4334-4FC8-9A93-755FB991CD23}"/>
+              </a:ext>
+            </a:extLst>
+          </p:cNvPr>
+          <p:cNvSpPr/>
+          <p:nvPr/>
+        </p:nvSpPr>
+        <p:spPr>
+          <a:xfrm>
+            <a:off x="9380621" y="1882794"/>
+            <a:ext cx="1973179" cy="914400"/>
+          </a:xfrm>
+          <a:prstGeom prst="ellipse">
+            <a:avLst/>
+          </a:prstGeom>
+          <a:noFill/>
+          <a:ln w="19050">
+            <a:solidFill>
+              <a:srgbClr val="002060"/>
+            </a:solidFill>
+          </a:ln>
+        </p:spPr>
+        <p:style>
+          <a:lnRef idx="2">
+            <a:schemeClr val="accent1">
+              <a:shade val="50000"/>
+            </a:schemeClr>
+          </a:lnRef>
+          <a:fillRef idx="1">
+            <a:schemeClr val="accent1"/>
+          </a:fillRef>
+          <a:effectRef idx="0">
+            <a:schemeClr val="accent1"/>
+          </a:effectRef>
+          <a:fontRef idx="minor">
+            <a:schemeClr val="lt1"/>
+          </a:fontRef>
+        </p:style>
+        <p:txBody>
+          <a:bodyPr rtlCol="0" anchor="ctr"/>
+          <a:lstStyle/>
+          <a:p>
+            <a:pPr algn="ctr"/>
+            <a:r>
+              <a:rPr lang="en-US" dirty="0" err="1">
+                <a:solidFill>
+                  <a:schemeClr val="tx1"/>
+                </a:solidFill>
+              </a:rPr>
+              <a:t>App,Phone</a:t>
+            </a:r>
+            <a:r>
+              <a:rPr lang="en-US" dirty="0">
+                <a:solidFill>
+                  <a:schemeClr val="tx1"/>
+                </a:solidFill>
+              </a:rPr>
+              <a:t> device</a:t>
+            </a:r>
+          </a:p>
+        </p:txBody>
+      </p:sp>
+      <p:cxnSp>
+        <p:nvCxnSpPr>
+          <p:cNvPr id="18" name="Straight Arrow Connector 17">
+            <a:extLst>
+              <a:ext uri="{FF2B5EF4-FFF2-40B4-BE49-F238E27FC236}">
+                <a16:creationId xmlns:a16="http://schemas.microsoft.com/office/drawing/2014/main" id="{CECBFC21-BE67-4B2C-8B58-EBFB4426529A}"/>
+              </a:ext>
+            </a:extLst>
+          </p:cNvPr>
+          <p:cNvCxnSpPr>
+            <a:stCxn id="14" idx="1"/>
+            <a:endCxn id="15" idx="6"/>
+          </p:cNvCxnSpPr>
+          <p:nvPr/>
+        </p:nvCxnSpPr>
+        <p:spPr>
+          <a:xfrm flipH="1">
+            <a:off x="2956001" y="2339994"/>
+            <a:ext cx="2245815" cy="0"/>
+          </a:xfrm>
+          <a:prstGeom prst="straightConnector1">
+            <a:avLst/>
+          </a:prstGeom>
+          <a:ln>
+            <a:tailEnd type="triangle"/>
+          </a:ln>
+        </p:spPr>
+        <p:style>
+          <a:lnRef idx="1">
+            <a:schemeClr val="accent1"/>
+          </a:lnRef>
+          <a:fillRef idx="0">
+            <a:schemeClr val="accent1"/>
+          </a:fillRef>
+          <a:effectRef idx="0">
+            <a:schemeClr val="accent1"/>
+          </a:effectRef>
+          <a:fontRef idx="minor">
+            <a:schemeClr val="tx1"/>
+          </a:fontRef>
+        </p:style>
+      </p:cxnSp>
+      <p:cxnSp>
+        <p:nvCxnSpPr>
+          <p:cNvPr id="26" name="Connector: Elbow 25">
+            <a:extLst>
+              <a:ext uri="{FF2B5EF4-FFF2-40B4-BE49-F238E27FC236}">
+                <a16:creationId xmlns:a16="http://schemas.microsoft.com/office/drawing/2014/main" id="{75E5712F-5C3B-4C1A-9686-4F7655A47D84}"/>
+              </a:ext>
+            </a:extLst>
+          </p:cNvPr>
+          <p:cNvCxnSpPr>
+            <a:stCxn id="10" idx="1"/>
+            <a:endCxn id="15" idx="4"/>
+          </p:cNvCxnSpPr>
+          <p:nvPr/>
+        </p:nvCxnSpPr>
+        <p:spPr>
+          <a:xfrm rot="10800000">
+            <a:off x="1969413" y="2797195"/>
+            <a:ext cx="1596437" cy="788245"/>
+          </a:xfrm>
+          <a:prstGeom prst="bentConnector2">
+            <a:avLst/>
+          </a:prstGeom>
+          <a:ln>
+            <a:tailEnd type="triangle"/>
+          </a:ln>
+        </p:spPr>
+        <p:style>
+          <a:lnRef idx="1">
+            <a:schemeClr val="accent1"/>
+          </a:lnRef>
+          <a:fillRef idx="0">
+            <a:schemeClr val="accent1"/>
+          </a:fillRef>
+          <a:effectRef idx="0">
+            <a:schemeClr val="accent1"/>
+          </a:effectRef>
+          <a:fontRef idx="minor">
+            <a:schemeClr val="tx1"/>
+          </a:fontRef>
+        </p:style>
+      </p:cxnSp>
+      <p:cxnSp>
+        <p:nvCxnSpPr>
+          <p:cNvPr id="28" name="Connector: Elbow 27">
+            <a:extLst>
+              <a:ext uri="{FF2B5EF4-FFF2-40B4-BE49-F238E27FC236}">
+                <a16:creationId xmlns:a16="http://schemas.microsoft.com/office/drawing/2014/main" id="{C015330D-E87D-4A91-951E-A327DDA9B3F1}"/>
+              </a:ext>
+            </a:extLst>
+          </p:cNvPr>
+          <p:cNvCxnSpPr>
+            <a:stCxn id="9" idx="1"/>
+            <a:endCxn id="10" idx="3"/>
+          </p:cNvCxnSpPr>
+          <p:nvPr/>
+        </p:nvCxnSpPr>
+        <p:spPr>
+          <a:xfrm rot="10800000">
+            <a:off x="4685521" y="3585439"/>
+            <a:ext cx="292358" cy="2602"/>
+          </a:xfrm>
+          <a:prstGeom prst="bentConnector3">
+            <a:avLst/>
+          </a:prstGeom>
+          <a:ln>
+            <a:tailEnd type="triangle"/>
+          </a:ln>
+        </p:spPr>
+        <p:style>
+          <a:lnRef idx="1">
+            <a:schemeClr val="accent1"/>
+          </a:lnRef>
+          <a:fillRef idx="0">
+            <a:schemeClr val="accent1"/>
+          </a:fillRef>
+          <a:effectRef idx="0">
+            <a:schemeClr val="accent1"/>
+          </a:effectRef>
+          <a:fontRef idx="minor">
+            <a:schemeClr val="tx1"/>
+          </a:fontRef>
+        </p:style>
+      </p:cxnSp>
+      <p:cxnSp>
+        <p:nvCxnSpPr>
+          <p:cNvPr id="32" name="Straight Arrow Connector 31">
+            <a:extLst>
+              <a:ext uri="{FF2B5EF4-FFF2-40B4-BE49-F238E27FC236}">
+                <a16:creationId xmlns:a16="http://schemas.microsoft.com/office/drawing/2014/main" id="{80AFC8D1-A9A8-4631-BB2C-D974473C979F}"/>
+              </a:ext>
+            </a:extLst>
+          </p:cNvPr>
+          <p:cNvCxnSpPr>
+            <a:stCxn id="9" idx="2"/>
+            <a:endCxn id="12" idx="1"/>
+          </p:cNvCxnSpPr>
+          <p:nvPr/>
+        </p:nvCxnSpPr>
+        <p:spPr>
+          <a:xfrm>
+            <a:off x="5821524" y="3991898"/>
+            <a:ext cx="0" cy="517888"/>
+          </a:xfrm>
+          <a:prstGeom prst="straightConnector1">
+            <a:avLst/>
+          </a:prstGeom>
+          <a:ln>
+            <a:tailEnd type="triangle"/>
+          </a:ln>
+        </p:spPr>
+        <p:style>
+          <a:lnRef idx="1">
+            <a:schemeClr val="accent1"/>
+          </a:lnRef>
+          <a:fillRef idx="0">
+            <a:schemeClr val="accent1"/>
+          </a:fillRef>
+          <a:effectRef idx="0">
+            <a:schemeClr val="accent1"/>
+          </a:effectRef>
+          <a:fontRef idx="minor">
+            <a:schemeClr val="tx1"/>
+          </a:fontRef>
+        </p:style>
+      </p:cxnSp>
+      <p:cxnSp>
+        <p:nvCxnSpPr>
+          <p:cNvPr id="34" name="Straight Arrow Connector 33">
+            <a:extLst>
+              <a:ext uri="{FF2B5EF4-FFF2-40B4-BE49-F238E27FC236}">
+                <a16:creationId xmlns:a16="http://schemas.microsoft.com/office/drawing/2014/main" id="{23283FC5-7FAC-4642-8F33-FE5F850D6DF7}"/>
+              </a:ext>
+            </a:extLst>
+          </p:cNvPr>
+          <p:cNvCxnSpPr>
+            <a:stCxn id="9" idx="0"/>
+            <a:endCxn id="14" idx="2"/>
+          </p:cNvCxnSpPr>
+          <p:nvPr/>
+        </p:nvCxnSpPr>
+        <p:spPr>
+          <a:xfrm flipV="1">
+            <a:off x="5821524" y="2666295"/>
+            <a:ext cx="0" cy="517888"/>
+          </a:xfrm>
+          <a:prstGeom prst="straightConnector1">
+            <a:avLst/>
+          </a:prstGeom>
+          <a:ln>
+            <a:tailEnd type="triangle"/>
+          </a:ln>
+        </p:spPr>
+        <p:style>
+          <a:lnRef idx="1">
+            <a:schemeClr val="accent1"/>
+          </a:lnRef>
+          <a:fillRef idx="0">
+            <a:schemeClr val="accent1"/>
+          </a:fillRef>
+          <a:effectRef idx="0">
+            <a:schemeClr val="accent1"/>
+          </a:effectRef>
+          <a:fontRef idx="minor">
+            <a:schemeClr val="tx1"/>
+          </a:fontRef>
+        </p:style>
+      </p:cxnSp>
+      <p:cxnSp>
+        <p:nvCxnSpPr>
+          <p:cNvPr id="37" name="Straight Arrow Connector 36">
+            <a:extLst>
+              <a:ext uri="{FF2B5EF4-FFF2-40B4-BE49-F238E27FC236}">
+                <a16:creationId xmlns:a16="http://schemas.microsoft.com/office/drawing/2014/main" id="{B0BB6C33-43C8-4E33-831D-6D10FAED29D6}"/>
+              </a:ext>
+            </a:extLst>
+          </p:cNvPr>
+          <p:cNvCxnSpPr>
+            <a:stCxn id="14" idx="3"/>
+            <a:endCxn id="16" idx="2"/>
+          </p:cNvCxnSpPr>
+          <p:nvPr/>
+        </p:nvCxnSpPr>
+        <p:spPr>
+          <a:xfrm>
+            <a:off x="6441232" y="2339994"/>
+            <a:ext cx="2939389" cy="0"/>
+          </a:xfrm>
+          <a:prstGeom prst="straightConnector1">
+            <a:avLst/>
+          </a:prstGeom>
+          <a:ln>
+            <a:tailEnd type="triangle"/>
+          </a:ln>
+        </p:spPr>
+        <p:style>
+          <a:lnRef idx="1">
+            <a:schemeClr val="accent1"/>
+          </a:lnRef>
+          <a:fillRef idx="0">
+            <a:schemeClr val="accent1"/>
+          </a:fillRef>
+          <a:effectRef idx="0">
+            <a:schemeClr val="accent1"/>
+          </a:effectRef>
+          <a:fontRef idx="minor">
+            <a:schemeClr val="tx1"/>
+          </a:fontRef>
+        </p:style>
+      </p:cxnSp>
+    </p:spTree>
+    <p:extLst>
+      <p:ext uri="{BB962C8B-B14F-4D97-AF65-F5344CB8AC3E}">
+        <p14:creationId xmlns:p14="http://schemas.microsoft.com/office/powerpoint/2010/main" val="2892998749"/>
+      </p:ext>
+    </p:extLst>
+  </p:cSld>
+  <p:clrMapOvr>
+    <a:masterClrMapping/>
+  </p:clrMapOvr>
+</p:sld>
+</file>
+
+<file path=ppt/slides/slide6.xml><?xml version="1.0" encoding="utf-8"?>
+<p:sld xmlns:a="http://schemas.openxmlformats.org/drawingml/2006/main" xmlns:r="http://schemas.openxmlformats.org/officeDocument/2006/relationships" xmlns:p="http://schemas.openxmlformats.org/presentationml/2006/main">
+  <p:cSld>
+    <p:spTree>
+      <p:nvGrpSpPr>
+        <p:cNvPr id="1" name=""/>
+        <p:cNvGrpSpPr/>
+        <p:nvPr/>
+      </p:nvGrpSpPr>
+      <p:grpSpPr>
+        <a:xfrm>
+          <a:off x="0" y="0"/>
+          <a:ext cx="0" cy="0"/>
+          <a:chOff x="0" y="0"/>
+          <a:chExt cx="0" cy="0"/>
+        </a:xfrm>
+      </p:grpSpPr>
+      <p:sp>
+        <p:nvSpPr>
+          <p:cNvPr id="2" name="Title 1">
+            <a:extLst>
+              <a:ext uri="{FF2B5EF4-FFF2-40B4-BE49-F238E27FC236}">
+                <a16:creationId xmlns:a16="http://schemas.microsoft.com/office/drawing/2014/main" id="{92025A13-B98C-4BB8-AF0E-AB7A1341E747}"/>
+              </a:ext>
+            </a:extLst>
+          </p:cNvPr>
+          <p:cNvSpPr>
+            <a:spLocks noGrp="1"/>
+          </p:cNvSpPr>
+          <p:nvPr>
+            <p:ph type="title"/>
+          </p:nvPr>
+        </p:nvSpPr>
+        <p:spPr/>
+        <p:txBody>
+          <a:bodyPr/>
+          <a:lstStyle/>
+          <a:p>
+            <a:r>
+              <a:rPr lang="en-US" dirty="0"/>
+              <a:t>App, phone devices</a:t>
+            </a:r>
+          </a:p>
+        </p:txBody>
+      </p:sp>
+      <p:sp>
+        <p:nvSpPr>
+          <p:cNvPr id="4" name="Content Placeholder 3">
+            <a:extLst>
+              <a:ext uri="{FF2B5EF4-FFF2-40B4-BE49-F238E27FC236}">
+                <a16:creationId xmlns:a16="http://schemas.microsoft.com/office/drawing/2014/main" id="{210E1F2E-9301-4259-9B1B-2716D2910CA8}"/>
+              </a:ext>
+            </a:extLst>
+          </p:cNvPr>
+          <p:cNvSpPr>
+            <a:spLocks noGrp="1"/>
+          </p:cNvSpPr>
+          <p:nvPr>
+            <p:ph idx="1"/>
+          </p:nvPr>
+        </p:nvSpPr>
+        <p:spPr>
+          <a:xfrm>
+            <a:off x="2462504" y="1800807"/>
+            <a:ext cx="7266992" cy="3555061"/>
+          </a:xfrm>
+          <a:prstGeom prst="rect">
+            <a:avLst/>
+          </a:prstGeom>
+          <a:noFill/>
+          <a:ln w="19050"/>
+        </p:spPr>
+        <p:style>
+          <a:lnRef idx="2">
+            <a:schemeClr val="accent1">
+              <a:shade val="50000"/>
+            </a:schemeClr>
+          </a:lnRef>
+          <a:fillRef idx="1">
+            <a:schemeClr val="accent1"/>
+          </a:fillRef>
+          <a:effectRef idx="0">
+            <a:schemeClr val="accent1"/>
+          </a:effectRef>
+          <a:fontRef idx="minor">
+            <a:schemeClr val="lt1"/>
+          </a:fontRef>
+        </p:style>
+        <p:txBody>
+          <a:bodyPr rtlCol="0" anchor="t" anchorCtr="0"/>
+          <a:lstStyle/>
+          <a:p>
+            <a:pPr marL="0" indent="0" algn="ctr">
+              <a:buNone/>
+            </a:pPr>
+            <a:r>
+              <a:rPr lang="en-US" dirty="0" err="1">
+                <a:solidFill>
+                  <a:schemeClr val="tx1"/>
+                </a:solidFill>
+              </a:rPr>
+              <a:t>App,Phone</a:t>
+            </a:r>
+            <a:r>
+              <a:rPr lang="en-US" dirty="0">
+                <a:solidFill>
+                  <a:schemeClr val="tx1"/>
+                </a:solidFill>
+              </a:rPr>
+              <a:t> device</a:t>
+            </a:r>
+          </a:p>
+        </p:txBody>
+      </p:sp>
+    </p:spTree>
+    <p:extLst>
+      <p:ext uri="{BB962C8B-B14F-4D97-AF65-F5344CB8AC3E}">
+        <p14:creationId xmlns:p14="http://schemas.microsoft.com/office/powerpoint/2010/main" val="3088810017"/>
       </p:ext>
     </p:extLst>
   </p:cSld>

--- a/Documents/Systems structure.pptx
+++ b/Documents/Systems structure.pptx
@@ -264,7 +264,7 @@
           <a:p>
             <a:fld id="{EBBC043E-7C2B-41DC-9148-2098C22313C8}" type="datetimeFigureOut">
               <a:rPr lang="en-US" smtClean="0"/>
-              <a:t>1/12/2021</a:t>
+              <a:t>1/13/2021</a:t>
             </a:fld>
             <a:endParaRPr lang="en-US"/>
           </a:p>
@@ -462,7 +462,7 @@
           <a:p>
             <a:fld id="{EBBC043E-7C2B-41DC-9148-2098C22313C8}" type="datetimeFigureOut">
               <a:rPr lang="en-US" smtClean="0"/>
-              <a:t>1/12/2021</a:t>
+              <a:t>1/13/2021</a:t>
             </a:fld>
             <a:endParaRPr lang="en-US"/>
           </a:p>
@@ -670,7 +670,7 @@
           <a:p>
             <a:fld id="{EBBC043E-7C2B-41DC-9148-2098C22313C8}" type="datetimeFigureOut">
               <a:rPr lang="en-US" smtClean="0"/>
-              <a:t>1/12/2021</a:t>
+              <a:t>1/13/2021</a:t>
             </a:fld>
             <a:endParaRPr lang="en-US"/>
           </a:p>
@@ -868,7 +868,7 @@
           <a:p>
             <a:fld id="{EBBC043E-7C2B-41DC-9148-2098C22313C8}" type="datetimeFigureOut">
               <a:rPr lang="en-US" smtClean="0"/>
-              <a:t>1/12/2021</a:t>
+              <a:t>1/13/2021</a:t>
             </a:fld>
             <a:endParaRPr lang="en-US"/>
           </a:p>
@@ -1143,7 +1143,7 @@
           <a:p>
             <a:fld id="{EBBC043E-7C2B-41DC-9148-2098C22313C8}" type="datetimeFigureOut">
               <a:rPr lang="en-US" smtClean="0"/>
-              <a:t>1/12/2021</a:t>
+              <a:t>1/13/2021</a:t>
             </a:fld>
             <a:endParaRPr lang="en-US"/>
           </a:p>
@@ -1408,7 +1408,7 @@
           <a:p>
             <a:fld id="{EBBC043E-7C2B-41DC-9148-2098C22313C8}" type="datetimeFigureOut">
               <a:rPr lang="en-US" smtClean="0"/>
-              <a:t>1/12/2021</a:t>
+              <a:t>1/13/2021</a:t>
             </a:fld>
             <a:endParaRPr lang="en-US"/>
           </a:p>
@@ -1820,7 +1820,7 @@
           <a:p>
             <a:fld id="{EBBC043E-7C2B-41DC-9148-2098C22313C8}" type="datetimeFigureOut">
               <a:rPr lang="en-US" smtClean="0"/>
-              <a:t>1/12/2021</a:t>
+              <a:t>1/13/2021</a:t>
             </a:fld>
             <a:endParaRPr lang="en-US"/>
           </a:p>
@@ -1961,7 +1961,7 @@
           <a:p>
             <a:fld id="{EBBC043E-7C2B-41DC-9148-2098C22313C8}" type="datetimeFigureOut">
               <a:rPr lang="en-US" smtClean="0"/>
-              <a:t>1/12/2021</a:t>
+              <a:t>1/13/2021</a:t>
             </a:fld>
             <a:endParaRPr lang="en-US"/>
           </a:p>
@@ -2074,7 +2074,7 @@
           <a:p>
             <a:fld id="{EBBC043E-7C2B-41DC-9148-2098C22313C8}" type="datetimeFigureOut">
               <a:rPr lang="en-US" smtClean="0"/>
-              <a:t>1/12/2021</a:t>
+              <a:t>1/13/2021</a:t>
             </a:fld>
             <a:endParaRPr lang="en-US"/>
           </a:p>
@@ -2385,7 +2385,7 @@
           <a:p>
             <a:fld id="{EBBC043E-7C2B-41DC-9148-2098C22313C8}" type="datetimeFigureOut">
               <a:rPr lang="en-US" smtClean="0"/>
-              <a:t>1/12/2021</a:t>
+              <a:t>1/13/2021</a:t>
             </a:fld>
             <a:endParaRPr lang="en-US"/>
           </a:p>
@@ -2673,7 +2673,7 @@
           <a:p>
             <a:fld id="{EBBC043E-7C2B-41DC-9148-2098C22313C8}" type="datetimeFigureOut">
               <a:rPr lang="en-US" smtClean="0"/>
-              <a:t>1/12/2021</a:t>
+              <a:t>1/13/2021</a:t>
             </a:fld>
             <a:endParaRPr lang="en-US"/>
           </a:p>
@@ -2914,7 +2914,7 @@
           <a:p>
             <a:fld id="{EBBC043E-7C2B-41DC-9148-2098C22313C8}" type="datetimeFigureOut">
               <a:rPr lang="en-US" smtClean="0"/>
-              <a:t>1/12/2021</a:t>
+              <a:t>1/13/2021</a:t>
             </a:fld>
             <a:endParaRPr lang="en-US"/>
           </a:p>
@@ -3703,7 +3703,7 @@
         <p:spPr>
           <a:xfrm>
             <a:off x="6685959" y="458602"/>
-            <a:ext cx="5162182" cy="1846659"/>
+            <a:ext cx="5162182" cy="2246769"/>
           </a:xfrm>
           <a:prstGeom prst="rect">
             <a:avLst/>
@@ -3931,6 +3931,28 @@
             <a:endParaRPr lang="en-US" sz="1300" dirty="0"/>
           </a:p>
           <a:p>
+            <a:r>
+              <a:rPr lang="en-US" sz="1300" dirty="0"/>
+              <a:t>( </a:t>
+            </a:r>
+            <a:r>
+              <a:rPr lang="en-US" sz="1300" dirty="0" err="1"/>
+              <a:t>sử</a:t>
+            </a:r>
+            <a:r>
+              <a:rPr lang="en-US" sz="1300" dirty="0"/>
+              <a:t> </a:t>
+            </a:r>
+            <a:r>
+              <a:rPr lang="en-US" sz="1300" dirty="0" err="1"/>
+              <a:t>dụng</a:t>
+            </a:r>
+            <a:r>
+              <a:rPr lang="en-US" sz="1300" dirty="0"/>
+              <a:t> 4G)</a:t>
+            </a:r>
+          </a:p>
+          <a:p>
             <a:pPr marL="342900" indent="-342900">
               <a:buAutoNum type="arabicPeriod"/>
             </a:pPr>
@@ -4154,6 +4176,9 @@
               <a:rPr lang="en-US" sz="1300" dirty="0"/>
               <a:t>…</a:t>
             </a:r>
+          </a:p>
+          <a:p>
+            <a:endParaRPr lang="en-US" sz="1300" dirty="0"/>
           </a:p>
           <a:p>
             <a:pPr marL="342900" indent="-342900">
@@ -4177,7 +4202,7 @@
         </p:nvSpPr>
         <p:spPr>
           <a:xfrm>
-            <a:off x="6685959" y="2321139"/>
+            <a:off x="6657494" y="2705371"/>
             <a:ext cx="4730334" cy="1169551"/>
           </a:xfrm>
           <a:prstGeom prst="rect">
@@ -4430,7 +4455,7 @@
         </p:nvSpPr>
         <p:spPr>
           <a:xfrm>
-            <a:off x="6725369" y="3620933"/>
+            <a:off x="6685959" y="4078133"/>
             <a:ext cx="4730334" cy="1169551"/>
           </a:xfrm>
           <a:prstGeom prst="rect">
@@ -4445,12 +4470,12 @@
           <a:lstStyle/>
           <a:p>
             <a:r>
-              <a:rPr lang="en-US" dirty="0">
+              <a:rPr lang="en-US" dirty="0" err="1">
                 <a:solidFill>
                   <a:schemeClr val="tx1"/>
                 </a:solidFill>
               </a:rPr>
-              <a:t>Server:</a:t>
+              <a:t>Appp</a:t>
             </a:r>
             <a:endParaRPr lang="en-US" dirty="0"/>
           </a:p>
@@ -6677,13 +6702,18 @@
           <a:p>
             <a:pPr algn="ctr"/>
             <a:r>
-              <a:rPr lang="en-US" dirty="0">
+              <a:rPr lang="en-US" dirty="0" err="1">
                 <a:solidFill>
                   <a:schemeClr val="tx1"/>
                 </a:solidFill>
               </a:rPr>
-              <a:t>Client Device</a:t>
-            </a:r>
+              <a:t>CameraManager</a:t>
+            </a:r>
+            <a:endParaRPr lang="en-US" dirty="0">
+              <a:solidFill>
+                <a:schemeClr val="tx1"/>
+              </a:solidFill>
+            </a:endParaRPr>
           </a:p>
         </p:txBody>
       </p:sp>
@@ -7518,7 +7548,7 @@
         </p:nvSpPr>
         <p:spPr>
           <a:xfrm>
-            <a:off x="3396343" y="1520890"/>
+            <a:off x="3107587" y="1520890"/>
             <a:ext cx="5477070" cy="4161453"/>
           </a:xfrm>
           <a:prstGeom prst="rect">
@@ -7575,7 +7605,7 @@
         </p:nvSpPr>
         <p:spPr>
           <a:xfrm>
-            <a:off x="4977879" y="3184183"/>
+            <a:off x="5603517" y="3184183"/>
             <a:ext cx="1687290" cy="807715"/>
           </a:xfrm>
           <a:prstGeom prst="roundRect">
@@ -7630,8 +7660,8 @@
         </p:nvSpPr>
         <p:spPr>
           <a:xfrm>
-            <a:off x="3565849" y="3259138"/>
-            <a:ext cx="1119672" cy="652602"/>
+            <a:off x="3898232" y="3259138"/>
+            <a:ext cx="1412927" cy="652602"/>
           </a:xfrm>
           <a:prstGeom prst="roundRect">
             <a:avLst/>
@@ -7666,8 +7696,21 @@
                   <a:schemeClr val="tx1"/>
                 </a:solidFill>
               </a:rPr>
-              <a:t>Client Stream</a:t>
-            </a:r>
+              <a:t>Client </a:t>
+            </a:r>
+            <a:r>
+              <a:rPr lang="en-US" sz="1000" dirty="0" err="1">
+                <a:solidFill>
+                  <a:schemeClr val="tx1"/>
+                </a:solidFill>
+              </a:rPr>
+              <a:t>VideoTransmisstion</a:t>
+            </a:r>
+            <a:endParaRPr lang="en-US" sz="1000" dirty="0">
+              <a:solidFill>
+                <a:schemeClr val="tx1"/>
+              </a:solidFill>
+            </a:endParaRPr>
           </a:p>
         </p:txBody>
       </p:sp>
@@ -7685,7 +7728,7 @@
         </p:nvSpPr>
         <p:spPr>
           <a:xfrm>
-            <a:off x="5321559" y="4509786"/>
+            <a:off x="5947197" y="4509786"/>
             <a:ext cx="999930" cy="755135"/>
           </a:xfrm>
           <a:prstGeom prst="flowChartMagneticDisk">
@@ -7745,7 +7788,7 @@
         </p:nvSpPr>
         <p:spPr>
           <a:xfrm>
-            <a:off x="5201816" y="2013693"/>
+            <a:off x="5827454" y="2013693"/>
             <a:ext cx="1239416" cy="652602"/>
           </a:xfrm>
           <a:prstGeom prst="roundRect">
@@ -7938,7 +7981,7 @@
         <p:spPr>
           <a:xfrm flipH="1">
             <a:off x="2956001" y="2339994"/>
-            <a:ext cx="2245815" cy="0"/>
+            <a:ext cx="2871453" cy="0"/>
           </a:xfrm>
           <a:prstGeom prst="straightConnector1">
             <a:avLst/>
@@ -7972,6 +8015,7 @@
             </a:extLst>
           </p:cNvPr>
           <p:cNvCxnSpPr>
+            <a:cxnSpLocks/>
             <a:stCxn id="10" idx="1"/>
             <a:endCxn id="15" idx="4"/>
           </p:cNvCxnSpPr>
@@ -7979,8 +8023,8 @@
         </p:nvCxnSpPr>
         <p:spPr>
           <a:xfrm rot="10800000">
-            <a:off x="1969413" y="2797195"/>
-            <a:ext cx="1596437" cy="788245"/>
+            <a:off x="1969412" y="2797195"/>
+            <a:ext cx="1928820" cy="788245"/>
           </a:xfrm>
           <a:prstGeom prst="bentConnector2">
             <a:avLst/>
@@ -8014,17 +8058,18 @@
             </a:extLst>
           </p:cNvPr>
           <p:cNvCxnSpPr>
-            <a:stCxn id="9" idx="1"/>
-            <a:endCxn id="10" idx="3"/>
+            <a:cxnSpLocks/>
+            <a:stCxn id="14" idx="1"/>
+            <a:endCxn id="10" idx="0"/>
           </p:cNvCxnSpPr>
           <p:nvPr/>
         </p:nvCxnSpPr>
         <p:spPr>
-          <a:xfrm rot="10800000">
-            <a:off x="4685521" y="3585439"/>
-            <a:ext cx="292358" cy="2602"/>
-          </a:xfrm>
-          <a:prstGeom prst="bentConnector3">
+          <a:xfrm rot="10800000" flipV="1">
+            <a:off x="4604696" y="2339994"/>
+            <a:ext cx="1222758" cy="919144"/>
+          </a:xfrm>
+          <a:prstGeom prst="bentConnector2">
             <a:avLst/>
           </a:prstGeom>
           <a:ln>
@@ -8063,7 +8108,7 @@
         </p:nvCxnSpPr>
         <p:spPr>
           <a:xfrm>
-            <a:off x="5821524" y="3991898"/>
+            <a:off x="6447162" y="3991898"/>
             <a:ext cx="0" cy="517888"/>
           </a:xfrm>
           <a:prstGeom prst="straightConnector1">
@@ -8105,7 +8150,7 @@
         </p:nvCxnSpPr>
         <p:spPr>
           <a:xfrm flipV="1">
-            <a:off x="5821524" y="2666295"/>
+            <a:off x="6447162" y="2666295"/>
             <a:ext cx="0" cy="517888"/>
           </a:xfrm>
           <a:prstGeom prst="straightConnector1">
@@ -8147,8 +8192,50 @@
         </p:nvCxnSpPr>
         <p:spPr>
           <a:xfrm>
-            <a:off x="6441232" y="2339994"/>
-            <a:ext cx="2939389" cy="0"/>
+            <a:off x="7066870" y="2339994"/>
+            <a:ext cx="2313751" cy="0"/>
+          </a:xfrm>
+          <a:prstGeom prst="straightConnector1">
+            <a:avLst/>
+          </a:prstGeom>
+          <a:ln>
+            <a:tailEnd type="triangle"/>
+          </a:ln>
+        </p:spPr>
+        <p:style>
+          <a:lnRef idx="1">
+            <a:schemeClr val="accent1"/>
+          </a:lnRef>
+          <a:fillRef idx="0">
+            <a:schemeClr val="accent1"/>
+          </a:fillRef>
+          <a:effectRef idx="0">
+            <a:schemeClr val="accent1"/>
+          </a:effectRef>
+          <a:fontRef idx="minor">
+            <a:schemeClr val="tx1"/>
+          </a:fontRef>
+        </p:style>
+      </p:cxnSp>
+      <p:cxnSp>
+        <p:nvCxnSpPr>
+          <p:cNvPr id="11" name="Straight Arrow Connector 10">
+            <a:extLst>
+              <a:ext uri="{FF2B5EF4-FFF2-40B4-BE49-F238E27FC236}">
+                <a16:creationId xmlns:a16="http://schemas.microsoft.com/office/drawing/2014/main" id="{D1750906-460A-4605-9E1C-F2AFD62422CE}"/>
+              </a:ext>
+            </a:extLst>
+          </p:cNvPr>
+          <p:cNvCxnSpPr>
+            <a:stCxn id="9" idx="1"/>
+            <a:endCxn id="10" idx="3"/>
+          </p:cNvCxnSpPr>
+          <p:nvPr/>
+        </p:nvCxnSpPr>
+        <p:spPr>
+          <a:xfrm flipH="1" flipV="1">
+            <a:off x="5311159" y="3585439"/>
+            <a:ext cx="292358" cy="2602"/>
           </a:xfrm>
           <a:prstGeom prst="straightConnector1">
             <a:avLst/>
